--- a/영상처리실제 프로젝트_견종인식_2024254002_전창수.pptx
+++ b/영상처리실제 프로젝트_견종인식_2024254002_전창수.pptx
@@ -265,7 +265,7 @@
           <a:p>
             <a:fld id="{7FE0AEFB-8012-4D2A-A690-9292B037EF69}" type="datetimeFigureOut">
               <a:rPr lang="ko-KR" altLang="en-US" smtClean="0"/>
-              <a:t>2025-06-17</a:t>
+              <a:t>2025-06-18</a:t>
             </a:fld>
             <a:endParaRPr lang="ko-KR" altLang="en-US"/>
           </a:p>
@@ -463,7 +463,7 @@
           <a:p>
             <a:fld id="{7FE0AEFB-8012-4D2A-A690-9292B037EF69}" type="datetimeFigureOut">
               <a:rPr lang="ko-KR" altLang="en-US" smtClean="0"/>
-              <a:t>2025-06-17</a:t>
+              <a:t>2025-06-18</a:t>
             </a:fld>
             <a:endParaRPr lang="ko-KR" altLang="en-US"/>
           </a:p>
@@ -671,7 +671,7 @@
           <a:p>
             <a:fld id="{7FE0AEFB-8012-4D2A-A690-9292B037EF69}" type="datetimeFigureOut">
               <a:rPr lang="ko-KR" altLang="en-US" smtClean="0"/>
-              <a:t>2025-06-17</a:t>
+              <a:t>2025-06-18</a:t>
             </a:fld>
             <a:endParaRPr lang="ko-KR" altLang="en-US"/>
           </a:p>
@@ -869,7 +869,7 @@
           <a:p>
             <a:fld id="{7FE0AEFB-8012-4D2A-A690-9292B037EF69}" type="datetimeFigureOut">
               <a:rPr lang="ko-KR" altLang="en-US" smtClean="0"/>
-              <a:t>2025-06-17</a:t>
+              <a:t>2025-06-18</a:t>
             </a:fld>
             <a:endParaRPr lang="ko-KR" altLang="en-US"/>
           </a:p>
@@ -1144,7 +1144,7 @@
           <a:p>
             <a:fld id="{7FE0AEFB-8012-4D2A-A690-9292B037EF69}" type="datetimeFigureOut">
               <a:rPr lang="ko-KR" altLang="en-US" smtClean="0"/>
-              <a:t>2025-06-17</a:t>
+              <a:t>2025-06-18</a:t>
             </a:fld>
             <a:endParaRPr lang="ko-KR" altLang="en-US"/>
           </a:p>
@@ -1409,7 +1409,7 @@
           <a:p>
             <a:fld id="{7FE0AEFB-8012-4D2A-A690-9292B037EF69}" type="datetimeFigureOut">
               <a:rPr lang="ko-KR" altLang="en-US" smtClean="0"/>
-              <a:t>2025-06-17</a:t>
+              <a:t>2025-06-18</a:t>
             </a:fld>
             <a:endParaRPr lang="ko-KR" altLang="en-US"/>
           </a:p>
@@ -1821,7 +1821,7 @@
           <a:p>
             <a:fld id="{7FE0AEFB-8012-4D2A-A690-9292B037EF69}" type="datetimeFigureOut">
               <a:rPr lang="ko-KR" altLang="en-US" smtClean="0"/>
-              <a:t>2025-06-17</a:t>
+              <a:t>2025-06-18</a:t>
             </a:fld>
             <a:endParaRPr lang="ko-KR" altLang="en-US"/>
           </a:p>
@@ -1962,7 +1962,7 @@
           <a:p>
             <a:fld id="{7FE0AEFB-8012-4D2A-A690-9292B037EF69}" type="datetimeFigureOut">
               <a:rPr lang="ko-KR" altLang="en-US" smtClean="0"/>
-              <a:t>2025-06-17</a:t>
+              <a:t>2025-06-18</a:t>
             </a:fld>
             <a:endParaRPr lang="ko-KR" altLang="en-US"/>
           </a:p>
@@ -2075,7 +2075,7 @@
           <a:p>
             <a:fld id="{7FE0AEFB-8012-4D2A-A690-9292B037EF69}" type="datetimeFigureOut">
               <a:rPr lang="ko-KR" altLang="en-US" smtClean="0"/>
-              <a:t>2025-06-17</a:t>
+              <a:t>2025-06-18</a:t>
             </a:fld>
             <a:endParaRPr lang="ko-KR" altLang="en-US"/>
           </a:p>
@@ -2386,7 +2386,7 @@
           <a:p>
             <a:fld id="{7FE0AEFB-8012-4D2A-A690-9292B037EF69}" type="datetimeFigureOut">
               <a:rPr lang="ko-KR" altLang="en-US" smtClean="0"/>
-              <a:t>2025-06-17</a:t>
+              <a:t>2025-06-18</a:t>
             </a:fld>
             <a:endParaRPr lang="ko-KR" altLang="en-US"/>
           </a:p>
@@ -2674,7 +2674,7 @@
           <a:p>
             <a:fld id="{7FE0AEFB-8012-4D2A-A690-9292B037EF69}" type="datetimeFigureOut">
               <a:rPr lang="ko-KR" altLang="en-US" smtClean="0"/>
-              <a:t>2025-06-17</a:t>
+              <a:t>2025-06-18</a:t>
             </a:fld>
             <a:endParaRPr lang="ko-KR" altLang="en-US"/>
           </a:p>
@@ -2915,7 +2915,7 @@
           <a:p>
             <a:fld id="{7FE0AEFB-8012-4D2A-A690-9292B037EF69}" type="datetimeFigureOut">
               <a:rPr lang="ko-KR" altLang="en-US" smtClean="0"/>
-              <a:t>2025-06-17</a:t>
+              <a:t>2025-06-18</a:t>
             </a:fld>
             <a:endParaRPr lang="ko-KR" altLang="en-US"/>
           </a:p>
@@ -3978,874 +3978,6 @@
       </p:grpSpPr>
       <p:sp>
         <p:nvSpPr>
-          <p:cNvPr id="3" name="TextBox 2">
-            <a:extLst>
-              <a:ext uri="{FF2B5EF4-FFF2-40B4-BE49-F238E27FC236}">
-                <a16:creationId xmlns:a16="http://schemas.microsoft.com/office/drawing/2014/main" id="{563EEE9C-76CE-EC66-6ADD-67B4306FED8E}"/>
-              </a:ext>
-            </a:extLst>
-          </p:cNvPr>
-          <p:cNvSpPr txBox="1"/>
-          <p:nvPr/>
-        </p:nvSpPr>
-        <p:spPr>
-          <a:xfrm>
-            <a:off x="471111" y="344279"/>
-            <a:ext cx="6094324" cy="6232475"/>
-          </a:xfrm>
-          <a:prstGeom prst="rect">
-            <a:avLst/>
-          </a:prstGeom>
-          <a:noFill/>
-        </p:spPr>
-        <p:txBody>
-          <a:bodyPr wrap="square">
-            <a:spAutoFit/>
-          </a:bodyPr>
-          <a:lstStyle/>
-          <a:p>
-            <a:r>
-              <a:rPr lang="en-US" altLang="ko-KR" sz="1050" dirty="0"/>
-              <a:t>import </a:t>
-            </a:r>
-            <a:r>
-              <a:rPr lang="en-US" altLang="ko-KR" sz="1050" dirty="0" err="1"/>
-              <a:t>tensorflow</a:t>
-            </a:r>
-            <a:r>
-              <a:rPr lang="en-US" altLang="ko-KR" sz="1050" dirty="0"/>
-              <a:t> as </a:t>
-            </a:r>
-            <a:r>
-              <a:rPr lang="en-US" altLang="ko-KR" sz="1050" dirty="0" err="1"/>
-              <a:t>tf</a:t>
-            </a:r>
-            <a:endParaRPr lang="en-US" altLang="ko-KR" sz="1050" dirty="0"/>
-          </a:p>
-          <a:p>
-            <a:r>
-              <a:rPr lang="en-US" altLang="ko-KR" sz="1050" dirty="0"/>
-              <a:t>from </a:t>
-            </a:r>
-            <a:r>
-              <a:rPr lang="en-US" altLang="ko-KR" sz="1050" dirty="0" err="1"/>
-              <a:t>tensorflow.keras.models</a:t>
-            </a:r>
-            <a:r>
-              <a:rPr lang="en-US" altLang="ko-KR" sz="1050" dirty="0"/>
-              <a:t> import Model</a:t>
-            </a:r>
-          </a:p>
-          <a:p>
-            <a:r>
-              <a:rPr lang="en-US" altLang="ko-KR" sz="1050" dirty="0"/>
-              <a:t>from </a:t>
-            </a:r>
-            <a:r>
-              <a:rPr lang="en-US" altLang="ko-KR" sz="1050" dirty="0" err="1"/>
-              <a:t>tensorflow.keras.layers</a:t>
-            </a:r>
-            <a:r>
-              <a:rPr lang="en-US" altLang="ko-KR" sz="1050" dirty="0"/>
-              <a:t> import Dense, Dropout, GlobalAveragePooling2D, Input</a:t>
-            </a:r>
-          </a:p>
-          <a:p>
-            <a:r>
-              <a:rPr lang="en-US" altLang="ko-KR" sz="1050" dirty="0"/>
-              <a:t>from </a:t>
-            </a:r>
-            <a:r>
-              <a:rPr lang="en-US" altLang="ko-KR" sz="1050" dirty="0" err="1"/>
-              <a:t>tensorflow.keras.applications</a:t>
-            </a:r>
-            <a:r>
-              <a:rPr lang="en-US" altLang="ko-KR" sz="1050" dirty="0"/>
-              <a:t> import MobileNetV2</a:t>
-            </a:r>
-          </a:p>
-          <a:p>
-            <a:r>
-              <a:rPr lang="en-US" altLang="ko-KR" sz="1050" dirty="0"/>
-              <a:t>from </a:t>
-            </a:r>
-            <a:r>
-              <a:rPr lang="en-US" altLang="ko-KR" sz="1050" dirty="0" err="1"/>
-              <a:t>tensorflow.keras.preprocessing.image</a:t>
-            </a:r>
-            <a:r>
-              <a:rPr lang="en-US" altLang="ko-KR" sz="1050" dirty="0"/>
-              <a:t> import </a:t>
-            </a:r>
-            <a:r>
-              <a:rPr lang="en-US" altLang="ko-KR" sz="1050" dirty="0" err="1"/>
-              <a:t>ImageDataGenerator</a:t>
-            </a:r>
-            <a:endParaRPr lang="en-US" altLang="ko-KR" sz="1050" dirty="0"/>
-          </a:p>
-          <a:p>
-            <a:r>
-              <a:rPr lang="en-US" altLang="ko-KR" sz="1050" dirty="0"/>
-              <a:t>import pickle</a:t>
-            </a:r>
-          </a:p>
-          <a:p>
-            <a:r>
-              <a:rPr lang="en-US" altLang="ko-KR" sz="1050" dirty="0"/>
-              <a:t>import </a:t>
-            </a:r>
-            <a:r>
-              <a:rPr lang="en-US" altLang="ko-KR" sz="1050" dirty="0" err="1"/>
-              <a:t>os</a:t>
-            </a:r>
-            <a:endParaRPr lang="en-US" altLang="ko-KR" sz="1050" dirty="0"/>
-          </a:p>
-          <a:p>
-            <a:endParaRPr lang="en-US" altLang="ko-KR" sz="1050" dirty="0"/>
-          </a:p>
-          <a:p>
-            <a:r>
-              <a:rPr lang="en-US" altLang="ko-KR" sz="1050" dirty="0"/>
-              <a:t># 1. </a:t>
-            </a:r>
-            <a:r>
-              <a:rPr lang="ko-KR" altLang="en-US" sz="1050" dirty="0"/>
-              <a:t>데이터 경로</a:t>
-            </a:r>
-          </a:p>
-          <a:p>
-            <a:r>
-              <a:rPr lang="en-US" altLang="ko-KR" sz="1050" dirty="0" err="1"/>
-              <a:t>data_dir</a:t>
-            </a:r>
-            <a:r>
-              <a:rPr lang="en-US" altLang="ko-KR" sz="1050" dirty="0"/>
-              <a:t> = </a:t>
-            </a:r>
-            <a:r>
-              <a:rPr lang="en-US" altLang="ko-KR" sz="1050" dirty="0" err="1"/>
-              <a:t>r'C</a:t>
-            </a:r>
-            <a:r>
-              <a:rPr lang="en-US" altLang="ko-KR" sz="1050" dirty="0"/>
-              <a:t>:\datasets\</a:t>
-            </a:r>
-            <a:r>
-              <a:rPr lang="en-US" altLang="ko-KR" sz="1050" dirty="0" err="1"/>
-              <a:t>stanford_dogs</a:t>
-            </a:r>
-            <a:r>
-              <a:rPr lang="en-US" altLang="ko-KR" sz="1050" dirty="0"/>
-              <a:t>\images\images'</a:t>
-            </a:r>
-          </a:p>
-          <a:p>
-            <a:endParaRPr lang="en-US" altLang="ko-KR" sz="1050" dirty="0"/>
-          </a:p>
-          <a:p>
-            <a:r>
-              <a:rPr lang="en-US" altLang="ko-KR" sz="1050" dirty="0"/>
-              <a:t># 2. </a:t>
-            </a:r>
-            <a:r>
-              <a:rPr lang="ko-KR" altLang="en-US" sz="1050" dirty="0" err="1"/>
-              <a:t>전처리</a:t>
-            </a:r>
-            <a:endParaRPr lang="ko-KR" altLang="en-US" sz="1050" dirty="0"/>
-          </a:p>
-          <a:p>
-            <a:r>
-              <a:rPr lang="en-US" altLang="ko-KR" sz="1050" dirty="0" err="1"/>
-              <a:t>img_size</a:t>
-            </a:r>
-            <a:r>
-              <a:rPr lang="en-US" altLang="ko-KR" sz="1050" dirty="0"/>
-              <a:t> = (160, 160)  # MobileNetV2 </a:t>
-            </a:r>
-            <a:r>
-              <a:rPr lang="ko-KR" altLang="en-US" sz="1050" dirty="0"/>
-              <a:t>권장 사이즈</a:t>
-            </a:r>
-          </a:p>
-          <a:p>
-            <a:r>
-              <a:rPr lang="en-US" altLang="ko-KR" sz="1050" dirty="0" err="1"/>
-              <a:t>batch_size</a:t>
-            </a:r>
-            <a:r>
-              <a:rPr lang="en-US" altLang="ko-KR" sz="1050" dirty="0"/>
-              <a:t> = 64</a:t>
-            </a:r>
-          </a:p>
-          <a:p>
-            <a:endParaRPr lang="en-US" altLang="ko-KR" sz="1050" dirty="0"/>
-          </a:p>
-          <a:p>
-            <a:r>
-              <a:rPr lang="en-US" altLang="ko-KR" sz="1050" dirty="0" err="1"/>
-              <a:t>datagen</a:t>
-            </a:r>
-            <a:r>
-              <a:rPr lang="en-US" altLang="ko-KR" sz="1050" dirty="0"/>
-              <a:t> = </a:t>
-            </a:r>
-            <a:r>
-              <a:rPr lang="en-US" altLang="ko-KR" sz="1050" dirty="0" err="1"/>
-              <a:t>ImageDataGenerator</a:t>
-            </a:r>
-            <a:r>
-              <a:rPr lang="en-US" altLang="ko-KR" sz="1050" dirty="0"/>
-              <a:t>(</a:t>
-            </a:r>
-          </a:p>
-          <a:p>
-            <a:r>
-              <a:rPr lang="en-US" altLang="ko-KR" sz="1050" dirty="0"/>
-              <a:t>    rescale=1./255,</a:t>
-            </a:r>
-          </a:p>
-          <a:p>
-            <a:r>
-              <a:rPr lang="en-US" altLang="ko-KR" sz="1050" dirty="0"/>
-              <a:t>    </a:t>
-            </a:r>
-            <a:r>
-              <a:rPr lang="en-US" altLang="ko-KR" sz="1050" dirty="0" err="1"/>
-              <a:t>validation_split</a:t>
-            </a:r>
-            <a:r>
-              <a:rPr lang="en-US" altLang="ko-KR" sz="1050" dirty="0"/>
-              <a:t>=0.2,</a:t>
-            </a:r>
-          </a:p>
-          <a:p>
-            <a:r>
-              <a:rPr lang="en-US" altLang="ko-KR" sz="1050" dirty="0"/>
-              <a:t>    </a:t>
-            </a:r>
-            <a:r>
-              <a:rPr lang="en-US" altLang="ko-KR" sz="1050" dirty="0" err="1"/>
-              <a:t>horizontal_flip</a:t>
-            </a:r>
-            <a:r>
-              <a:rPr lang="en-US" altLang="ko-KR" sz="1050" dirty="0"/>
-              <a:t>=True,</a:t>
-            </a:r>
-          </a:p>
-          <a:p>
-            <a:r>
-              <a:rPr lang="en-US" altLang="ko-KR" sz="1050" dirty="0"/>
-              <a:t>    </a:t>
-            </a:r>
-            <a:r>
-              <a:rPr lang="en-US" altLang="ko-KR" sz="1050" dirty="0" err="1"/>
-              <a:t>zoom_range</a:t>
-            </a:r>
-            <a:r>
-              <a:rPr lang="en-US" altLang="ko-KR" sz="1050" dirty="0"/>
-              <a:t>=0.2</a:t>
-            </a:r>
-          </a:p>
-          <a:p>
-            <a:r>
-              <a:rPr lang="en-US" altLang="ko-KR" sz="1050" dirty="0"/>
-              <a:t>)</a:t>
-            </a:r>
-          </a:p>
-          <a:p>
-            <a:endParaRPr lang="en-US" altLang="ko-KR" sz="1050" dirty="0"/>
-          </a:p>
-          <a:p>
-            <a:r>
-              <a:rPr lang="en-US" altLang="ko-KR" sz="1050" dirty="0" err="1"/>
-              <a:t>train_generator</a:t>
-            </a:r>
-            <a:r>
-              <a:rPr lang="en-US" altLang="ko-KR" sz="1050" dirty="0"/>
-              <a:t> = </a:t>
-            </a:r>
-            <a:r>
-              <a:rPr lang="en-US" altLang="ko-KR" sz="1050" dirty="0" err="1"/>
-              <a:t>datagen.flow_from_directory</a:t>
-            </a:r>
-            <a:r>
-              <a:rPr lang="en-US" altLang="ko-KR" sz="1050" dirty="0"/>
-              <a:t>(</a:t>
-            </a:r>
-          </a:p>
-          <a:p>
-            <a:r>
-              <a:rPr lang="en-US" altLang="ko-KR" sz="1050" dirty="0"/>
-              <a:t>    </a:t>
-            </a:r>
-            <a:r>
-              <a:rPr lang="en-US" altLang="ko-KR" sz="1050" dirty="0" err="1"/>
-              <a:t>data_dir</a:t>
-            </a:r>
-            <a:r>
-              <a:rPr lang="en-US" altLang="ko-KR" sz="1050" dirty="0"/>
-              <a:t>,</a:t>
-            </a:r>
-          </a:p>
-          <a:p>
-            <a:r>
-              <a:rPr lang="en-US" altLang="ko-KR" sz="1050" dirty="0"/>
-              <a:t>    </a:t>
-            </a:r>
-            <a:r>
-              <a:rPr lang="en-US" altLang="ko-KR" sz="1050" dirty="0" err="1"/>
-              <a:t>target_size</a:t>
-            </a:r>
-            <a:r>
-              <a:rPr lang="en-US" altLang="ko-KR" sz="1050" dirty="0"/>
-              <a:t>=</a:t>
-            </a:r>
-            <a:r>
-              <a:rPr lang="en-US" altLang="ko-KR" sz="1050" dirty="0" err="1"/>
-              <a:t>img_size</a:t>
-            </a:r>
-            <a:r>
-              <a:rPr lang="en-US" altLang="ko-KR" sz="1050" dirty="0"/>
-              <a:t>,</a:t>
-            </a:r>
-          </a:p>
-          <a:p>
-            <a:r>
-              <a:rPr lang="en-US" altLang="ko-KR" sz="1050" dirty="0"/>
-              <a:t>    </a:t>
-            </a:r>
-            <a:r>
-              <a:rPr lang="en-US" altLang="ko-KR" sz="1050" dirty="0" err="1"/>
-              <a:t>batch_size</a:t>
-            </a:r>
-            <a:r>
-              <a:rPr lang="en-US" altLang="ko-KR" sz="1050" dirty="0"/>
-              <a:t>=</a:t>
-            </a:r>
-            <a:r>
-              <a:rPr lang="en-US" altLang="ko-KR" sz="1050" dirty="0" err="1"/>
-              <a:t>batch_size</a:t>
-            </a:r>
-            <a:r>
-              <a:rPr lang="en-US" altLang="ko-KR" sz="1050" dirty="0"/>
-              <a:t>,</a:t>
-            </a:r>
-          </a:p>
-          <a:p>
-            <a:r>
-              <a:rPr lang="en-US" altLang="ko-KR" sz="1050" dirty="0"/>
-              <a:t>    </a:t>
-            </a:r>
-            <a:r>
-              <a:rPr lang="en-US" altLang="ko-KR" sz="1050" dirty="0" err="1"/>
-              <a:t>class_mode</a:t>
-            </a:r>
-            <a:r>
-              <a:rPr lang="en-US" altLang="ko-KR" sz="1050" dirty="0"/>
-              <a:t>='categorical',</a:t>
-            </a:r>
-          </a:p>
-          <a:p>
-            <a:r>
-              <a:rPr lang="en-US" altLang="ko-KR" sz="1050" dirty="0"/>
-              <a:t>    subset='training'</a:t>
-            </a:r>
-          </a:p>
-          <a:p>
-            <a:r>
-              <a:rPr lang="en-US" altLang="ko-KR" sz="1050" dirty="0"/>
-              <a:t>)</a:t>
-            </a:r>
-          </a:p>
-          <a:p>
-            <a:endParaRPr lang="en-US" altLang="ko-KR" sz="1050" dirty="0"/>
-          </a:p>
-          <a:p>
-            <a:r>
-              <a:rPr lang="en-US" altLang="ko-KR" sz="1050" dirty="0" err="1"/>
-              <a:t>val_generator</a:t>
-            </a:r>
-            <a:r>
-              <a:rPr lang="en-US" altLang="ko-KR" sz="1050" dirty="0"/>
-              <a:t> = </a:t>
-            </a:r>
-            <a:r>
-              <a:rPr lang="en-US" altLang="ko-KR" sz="1050" dirty="0" err="1"/>
-              <a:t>datagen.flow_from_directory</a:t>
-            </a:r>
-            <a:r>
-              <a:rPr lang="en-US" altLang="ko-KR" sz="1050" dirty="0"/>
-              <a:t>(</a:t>
-            </a:r>
-          </a:p>
-          <a:p>
-            <a:r>
-              <a:rPr lang="en-US" altLang="ko-KR" sz="1050" dirty="0"/>
-              <a:t>    </a:t>
-            </a:r>
-            <a:r>
-              <a:rPr lang="en-US" altLang="ko-KR" sz="1050" dirty="0" err="1"/>
-              <a:t>data_dir</a:t>
-            </a:r>
-            <a:r>
-              <a:rPr lang="en-US" altLang="ko-KR" sz="1050" dirty="0"/>
-              <a:t>,</a:t>
-            </a:r>
-          </a:p>
-          <a:p>
-            <a:r>
-              <a:rPr lang="en-US" altLang="ko-KR" sz="1050" dirty="0"/>
-              <a:t>    </a:t>
-            </a:r>
-            <a:r>
-              <a:rPr lang="en-US" altLang="ko-KR" sz="1050" dirty="0" err="1"/>
-              <a:t>target_size</a:t>
-            </a:r>
-            <a:r>
-              <a:rPr lang="en-US" altLang="ko-KR" sz="1050" dirty="0"/>
-              <a:t>=</a:t>
-            </a:r>
-            <a:r>
-              <a:rPr lang="en-US" altLang="ko-KR" sz="1050" dirty="0" err="1"/>
-              <a:t>img_size</a:t>
-            </a:r>
-            <a:r>
-              <a:rPr lang="en-US" altLang="ko-KR" sz="1050" dirty="0"/>
-              <a:t>,</a:t>
-            </a:r>
-          </a:p>
-          <a:p>
-            <a:r>
-              <a:rPr lang="en-US" altLang="ko-KR" sz="1050" dirty="0"/>
-              <a:t>    </a:t>
-            </a:r>
-            <a:r>
-              <a:rPr lang="en-US" altLang="ko-KR" sz="1050" dirty="0" err="1"/>
-              <a:t>batch_size</a:t>
-            </a:r>
-            <a:r>
-              <a:rPr lang="en-US" altLang="ko-KR" sz="1050" dirty="0"/>
-              <a:t>=</a:t>
-            </a:r>
-            <a:r>
-              <a:rPr lang="en-US" altLang="ko-KR" sz="1050" dirty="0" err="1"/>
-              <a:t>batch_size</a:t>
-            </a:r>
-            <a:r>
-              <a:rPr lang="en-US" altLang="ko-KR" sz="1050" dirty="0"/>
-              <a:t>,</a:t>
-            </a:r>
-          </a:p>
-          <a:p>
-            <a:r>
-              <a:rPr lang="en-US" altLang="ko-KR" sz="1050" dirty="0"/>
-              <a:t>    </a:t>
-            </a:r>
-            <a:r>
-              <a:rPr lang="en-US" altLang="ko-KR" sz="1050" dirty="0" err="1"/>
-              <a:t>class_mode</a:t>
-            </a:r>
-            <a:r>
-              <a:rPr lang="en-US" altLang="ko-KR" sz="1050" dirty="0"/>
-              <a:t>='categorical',</a:t>
-            </a:r>
-          </a:p>
-          <a:p>
-            <a:r>
-              <a:rPr lang="en-US" altLang="ko-KR" sz="1050" dirty="0"/>
-              <a:t>    subset='validation'</a:t>
-            </a:r>
-          </a:p>
-          <a:p>
-            <a:r>
-              <a:rPr lang="en-US" altLang="ko-KR" sz="1050" dirty="0"/>
-              <a:t>)</a:t>
-            </a:r>
-          </a:p>
-          <a:p>
-            <a:endParaRPr lang="en-US" altLang="ko-KR" sz="1050" dirty="0"/>
-          </a:p>
-        </p:txBody>
-      </p:sp>
-      <p:sp>
-        <p:nvSpPr>
-          <p:cNvPr id="5" name="TextBox 4">
-            <a:extLst>
-              <a:ext uri="{FF2B5EF4-FFF2-40B4-BE49-F238E27FC236}">
-                <a16:creationId xmlns:a16="http://schemas.microsoft.com/office/drawing/2014/main" id="{7DC7FFCA-D4FA-D29A-33BF-6AF05C3475B4}"/>
-              </a:ext>
-            </a:extLst>
-          </p:cNvPr>
-          <p:cNvSpPr txBox="1"/>
-          <p:nvPr/>
-        </p:nvSpPr>
-        <p:spPr>
-          <a:xfrm>
-            <a:off x="6096000" y="320575"/>
-            <a:ext cx="6096000" cy="5339923"/>
-          </a:xfrm>
-          <a:prstGeom prst="rect">
-            <a:avLst/>
-          </a:prstGeom>
-          <a:noFill/>
-        </p:spPr>
-        <p:txBody>
-          <a:bodyPr wrap="square">
-            <a:spAutoFit/>
-          </a:bodyPr>
-          <a:lstStyle/>
-          <a:p>
-            <a:endParaRPr lang="en-US" altLang="ko-KR" sz="1100" dirty="0"/>
-          </a:p>
-          <a:p>
-            <a:r>
-              <a:rPr lang="en-US" altLang="ko-KR" sz="1100" dirty="0"/>
-              <a:t># 3. </a:t>
-            </a:r>
-            <a:r>
-              <a:rPr lang="ko-KR" altLang="en-US" sz="1100" dirty="0"/>
-              <a:t>전이학습 모델 구성</a:t>
-            </a:r>
-          </a:p>
-          <a:p>
-            <a:r>
-              <a:rPr lang="en-US" altLang="ko-KR" sz="1100" dirty="0" err="1"/>
-              <a:t>base_model</a:t>
-            </a:r>
-            <a:r>
-              <a:rPr lang="en-US" altLang="ko-KR" sz="1100" dirty="0"/>
-              <a:t> = MobileNetV2(</a:t>
-            </a:r>
-            <a:r>
-              <a:rPr lang="en-US" altLang="ko-KR" sz="1100" dirty="0" err="1"/>
-              <a:t>input_shape</a:t>
-            </a:r>
-            <a:r>
-              <a:rPr lang="en-US" altLang="ko-KR" sz="1100" dirty="0"/>
-              <a:t>=(160, 160, 3), </a:t>
-            </a:r>
-            <a:r>
-              <a:rPr lang="en-US" altLang="ko-KR" sz="1100" dirty="0" err="1"/>
-              <a:t>include_top</a:t>
-            </a:r>
-            <a:r>
-              <a:rPr lang="en-US" altLang="ko-KR" sz="1100" dirty="0"/>
-              <a:t>=False, weights='</a:t>
-            </a:r>
-            <a:r>
-              <a:rPr lang="en-US" altLang="ko-KR" sz="1100" dirty="0" err="1"/>
-              <a:t>imagenet</a:t>
-            </a:r>
-            <a:r>
-              <a:rPr lang="en-US" altLang="ko-KR" sz="1100" dirty="0"/>
-              <a:t>')</a:t>
-            </a:r>
-          </a:p>
-          <a:p>
-            <a:r>
-              <a:rPr lang="en-US" altLang="ko-KR" sz="1100" dirty="0" err="1"/>
-              <a:t>base_model.trainable</a:t>
-            </a:r>
-            <a:r>
-              <a:rPr lang="en-US" altLang="ko-KR" sz="1100" dirty="0"/>
-              <a:t> = False  # </a:t>
-            </a:r>
-            <a:r>
-              <a:rPr lang="ko-KR" altLang="en-US" sz="1100" dirty="0"/>
-              <a:t>특성 추출기로만 사용</a:t>
-            </a:r>
-          </a:p>
-          <a:p>
-            <a:endParaRPr lang="ko-KR" altLang="en-US" sz="1100" dirty="0"/>
-          </a:p>
-          <a:p>
-            <a:r>
-              <a:rPr lang="en-US" altLang="ko-KR" sz="1100" dirty="0"/>
-              <a:t>inputs = Input(shape=(160, 160, 3))</a:t>
-            </a:r>
-          </a:p>
-          <a:p>
-            <a:r>
-              <a:rPr lang="en-US" altLang="ko-KR" sz="1100" dirty="0"/>
-              <a:t>x = </a:t>
-            </a:r>
-            <a:r>
-              <a:rPr lang="en-US" altLang="ko-KR" sz="1100" dirty="0" err="1"/>
-              <a:t>base_model</a:t>
-            </a:r>
-            <a:r>
-              <a:rPr lang="en-US" altLang="ko-KR" sz="1100" dirty="0"/>
-              <a:t>(inputs, training=False)</a:t>
-            </a:r>
-          </a:p>
-          <a:p>
-            <a:r>
-              <a:rPr lang="en-US" altLang="ko-KR" sz="1100" dirty="0"/>
-              <a:t>x = GlobalAveragePooling2D()(x)</a:t>
-            </a:r>
-          </a:p>
-          <a:p>
-            <a:r>
-              <a:rPr lang="en-US" altLang="ko-KR" sz="1100" dirty="0"/>
-              <a:t>x = Dropout(0.3)(x)</a:t>
-            </a:r>
-          </a:p>
-          <a:p>
-            <a:r>
-              <a:rPr lang="en-US" altLang="ko-KR" sz="1100" dirty="0"/>
-              <a:t>outputs = Dense(</a:t>
-            </a:r>
-            <a:r>
-              <a:rPr lang="en-US" altLang="ko-KR" sz="1100" dirty="0" err="1"/>
-              <a:t>train_generator.num_classes</a:t>
-            </a:r>
-            <a:r>
-              <a:rPr lang="en-US" altLang="ko-KR" sz="1100" dirty="0"/>
-              <a:t>, activation='</a:t>
-            </a:r>
-            <a:r>
-              <a:rPr lang="en-US" altLang="ko-KR" sz="1100" dirty="0" err="1"/>
-              <a:t>softmax</a:t>
-            </a:r>
-            <a:r>
-              <a:rPr lang="en-US" altLang="ko-KR" sz="1100" dirty="0"/>
-              <a:t>')(x)</a:t>
-            </a:r>
-          </a:p>
-          <a:p>
-            <a:r>
-              <a:rPr lang="en-US" altLang="ko-KR" sz="1100" dirty="0"/>
-              <a:t>model = Model(inputs, outputs)</a:t>
-            </a:r>
-          </a:p>
-          <a:p>
-            <a:endParaRPr lang="en-US" altLang="ko-KR" sz="1100" dirty="0"/>
-          </a:p>
-          <a:p>
-            <a:r>
-              <a:rPr lang="en-US" altLang="ko-KR" sz="1100" dirty="0" err="1"/>
-              <a:t>model.compile</a:t>
-            </a:r>
-            <a:r>
-              <a:rPr lang="en-US" altLang="ko-KR" sz="1100" dirty="0"/>
-              <a:t>(optimizer='</a:t>
-            </a:r>
-            <a:r>
-              <a:rPr lang="en-US" altLang="ko-KR" sz="1100" dirty="0" err="1"/>
-              <a:t>adam</a:t>
-            </a:r>
-            <a:r>
-              <a:rPr lang="en-US" altLang="ko-KR" sz="1100" dirty="0"/>
-              <a:t>', loss='</a:t>
-            </a:r>
-            <a:r>
-              <a:rPr lang="en-US" altLang="ko-KR" sz="1100" dirty="0" err="1"/>
-              <a:t>categorical_crossentropy</a:t>
-            </a:r>
-            <a:r>
-              <a:rPr lang="en-US" altLang="ko-KR" sz="1100" dirty="0"/>
-              <a:t>', metrics=['accuracy'])</a:t>
-            </a:r>
-          </a:p>
-          <a:p>
-            <a:endParaRPr lang="en-US" altLang="ko-KR" sz="1100" dirty="0"/>
-          </a:p>
-          <a:p>
-            <a:r>
-              <a:rPr lang="en-US" altLang="ko-KR" sz="1100" dirty="0"/>
-              <a:t># 4. </a:t>
-            </a:r>
-            <a:r>
-              <a:rPr lang="ko-KR" altLang="en-US" sz="1100" dirty="0"/>
-              <a:t>학습</a:t>
-            </a:r>
-          </a:p>
-          <a:p>
-            <a:r>
-              <a:rPr lang="en-US" altLang="ko-KR" sz="1100" dirty="0" err="1"/>
-              <a:t>model.fit</a:t>
-            </a:r>
-            <a:r>
-              <a:rPr lang="en-US" altLang="ko-KR" sz="1100" dirty="0"/>
-              <a:t>(</a:t>
-            </a:r>
-          </a:p>
-          <a:p>
-            <a:r>
-              <a:rPr lang="en-US" altLang="ko-KR" sz="1100" dirty="0"/>
-              <a:t>    </a:t>
-            </a:r>
-            <a:r>
-              <a:rPr lang="en-US" altLang="ko-KR" sz="1100" dirty="0" err="1"/>
-              <a:t>train_generator</a:t>
-            </a:r>
-            <a:r>
-              <a:rPr lang="en-US" altLang="ko-KR" sz="1100" dirty="0"/>
-              <a:t>,</a:t>
-            </a:r>
-          </a:p>
-          <a:p>
-            <a:r>
-              <a:rPr lang="en-US" altLang="ko-KR" sz="1100" dirty="0"/>
-              <a:t>    </a:t>
-            </a:r>
-            <a:r>
-              <a:rPr lang="en-US" altLang="ko-KR" sz="1100" dirty="0" err="1"/>
-              <a:t>validation_data</a:t>
-            </a:r>
-            <a:r>
-              <a:rPr lang="en-US" altLang="ko-KR" sz="1100" dirty="0"/>
-              <a:t>=</a:t>
-            </a:r>
-            <a:r>
-              <a:rPr lang="en-US" altLang="ko-KR" sz="1100" dirty="0" err="1"/>
-              <a:t>val_generator</a:t>
-            </a:r>
-            <a:r>
-              <a:rPr lang="en-US" altLang="ko-KR" sz="1100" dirty="0"/>
-              <a:t>,</a:t>
-            </a:r>
-          </a:p>
-          <a:p>
-            <a:r>
-              <a:rPr lang="en-US" altLang="ko-KR" sz="1100" dirty="0"/>
-              <a:t>    epochs=10</a:t>
-            </a:r>
-          </a:p>
-          <a:p>
-            <a:r>
-              <a:rPr lang="en-US" altLang="ko-KR" sz="1100" dirty="0"/>
-              <a:t>)</a:t>
-            </a:r>
-          </a:p>
-          <a:p>
-            <a:endParaRPr lang="en-US" altLang="ko-KR" sz="1100" dirty="0"/>
-          </a:p>
-          <a:p>
-            <a:r>
-              <a:rPr lang="en-US" altLang="ko-KR" sz="1100" dirty="0"/>
-              <a:t># 5. </a:t>
-            </a:r>
-            <a:r>
-              <a:rPr lang="ko-KR" altLang="en-US" sz="1100" dirty="0"/>
-              <a:t>모델 저장</a:t>
-            </a:r>
-          </a:p>
-          <a:p>
-            <a:r>
-              <a:rPr lang="en-US" altLang="ko-KR" sz="1100" dirty="0" err="1"/>
-              <a:t>model.save</a:t>
-            </a:r>
-            <a:r>
-              <a:rPr lang="en-US" altLang="ko-KR" sz="1100" dirty="0"/>
-              <a:t>('mobilenetv2_transfer_stanford_dogs.h5')</a:t>
-            </a:r>
-          </a:p>
-          <a:p>
-            <a:endParaRPr lang="en-US" altLang="ko-KR" sz="1100" dirty="0"/>
-          </a:p>
-          <a:p>
-            <a:r>
-              <a:rPr lang="en-US" altLang="ko-KR" sz="1100" dirty="0"/>
-              <a:t># 6. </a:t>
-            </a:r>
-            <a:r>
-              <a:rPr lang="ko-KR" altLang="en-US" sz="1100" dirty="0"/>
-              <a:t>클래스 저장</a:t>
-            </a:r>
-          </a:p>
-          <a:p>
-            <a:r>
-              <a:rPr lang="en-US" altLang="ko-KR" sz="1100" dirty="0" err="1"/>
-              <a:t>class_names</a:t>
-            </a:r>
-            <a:r>
-              <a:rPr lang="en-US" altLang="ko-KR" sz="1100" dirty="0"/>
-              <a:t> = list(</a:t>
-            </a:r>
-            <a:r>
-              <a:rPr lang="en-US" altLang="ko-KR" sz="1100" dirty="0" err="1"/>
-              <a:t>train_generator.class_indices.keys</a:t>
-            </a:r>
-            <a:r>
-              <a:rPr lang="en-US" altLang="ko-KR" sz="1100" dirty="0"/>
-              <a:t>())</a:t>
-            </a:r>
-          </a:p>
-          <a:p>
-            <a:r>
-              <a:rPr lang="en-US" altLang="ko-KR" sz="1100" dirty="0"/>
-              <a:t>with open('</a:t>
-            </a:r>
-            <a:r>
-              <a:rPr lang="en-US" altLang="ko-KR" sz="1100" dirty="0" err="1"/>
-              <a:t>dog_species_names_transfer.pkl</a:t>
-            </a:r>
-            <a:r>
-              <a:rPr lang="en-US" altLang="ko-KR" sz="1100" dirty="0"/>
-              <a:t>', '</a:t>
-            </a:r>
-            <a:r>
-              <a:rPr lang="en-US" altLang="ko-KR" sz="1100" dirty="0" err="1"/>
-              <a:t>wb</a:t>
-            </a:r>
-            <a:r>
-              <a:rPr lang="en-US" altLang="ko-KR" sz="1100" dirty="0"/>
-              <a:t>') as f:</a:t>
-            </a:r>
-          </a:p>
-          <a:p>
-            <a:r>
-              <a:rPr lang="en-US" altLang="ko-KR" sz="1100" dirty="0"/>
-              <a:t>    </a:t>
-            </a:r>
-            <a:r>
-              <a:rPr lang="en-US" altLang="ko-KR" sz="1100" dirty="0" err="1"/>
-              <a:t>pickle.dump</a:t>
-            </a:r>
-            <a:r>
-              <a:rPr lang="en-US" altLang="ko-KR" sz="1100" dirty="0"/>
-              <a:t>(</a:t>
-            </a:r>
-            <a:r>
-              <a:rPr lang="en-US" altLang="ko-KR" sz="1100" dirty="0" err="1"/>
-              <a:t>class_names</a:t>
-            </a:r>
-            <a:r>
-              <a:rPr lang="en-US" altLang="ko-KR" sz="1100" dirty="0"/>
-              <a:t>, f)</a:t>
-            </a:r>
-          </a:p>
-          <a:p>
-            <a:endParaRPr lang="en-US" altLang="ko-KR" sz="1100" dirty="0"/>
-          </a:p>
-          <a:p>
-            <a:r>
-              <a:rPr lang="en-US" altLang="ko-KR" sz="1100" dirty="0"/>
-              <a:t>print("</a:t>
-            </a:r>
-            <a:r>
-              <a:rPr lang="ko-KR" altLang="en-US" sz="1100" dirty="0"/>
-              <a:t>✅ </a:t>
-            </a:r>
-            <a:r>
-              <a:rPr lang="en-US" altLang="ko-KR" sz="1100" dirty="0"/>
-              <a:t>MobileNetV2 </a:t>
-            </a:r>
-            <a:r>
-              <a:rPr lang="ko-KR" altLang="en-US" sz="1100" dirty="0"/>
-              <a:t>기반 모델 저장 완료</a:t>
-            </a:r>
-            <a:r>
-              <a:rPr lang="en-US" altLang="ko-KR" sz="1100" dirty="0"/>
-              <a:t>!")</a:t>
-            </a:r>
-            <a:endParaRPr lang="ko-KR" altLang="en-US" sz="1100" dirty="0"/>
-          </a:p>
-        </p:txBody>
-      </p:sp>
-      <p:sp>
-        <p:nvSpPr>
           <p:cNvPr id="6" name="직사각형 5">
             <a:extLst>
               <a:ext uri="{FF2B5EF4-FFF2-40B4-BE49-F238E27FC236}">
@@ -4890,6 +4022,907 @@
               <a:rPr lang="ko-KR" altLang="en-US" dirty="0"/>
               <a:t>학습코드</a:t>
             </a:r>
+          </a:p>
+        </p:txBody>
+      </p:sp>
+      <p:sp>
+        <p:nvSpPr>
+          <p:cNvPr id="15" name="TextBox 14">
+            <a:extLst>
+              <a:ext uri="{FF2B5EF4-FFF2-40B4-BE49-F238E27FC236}">
+                <a16:creationId xmlns:a16="http://schemas.microsoft.com/office/drawing/2014/main" id="{7000C63B-0DC4-7C1D-54FF-E0639C62539E}"/>
+              </a:ext>
+            </a:extLst>
+          </p:cNvPr>
+          <p:cNvSpPr txBox="1"/>
+          <p:nvPr/>
+        </p:nvSpPr>
+        <p:spPr>
+          <a:xfrm>
+            <a:off x="127820" y="415422"/>
+            <a:ext cx="6096000" cy="6355586"/>
+          </a:xfrm>
+          <a:prstGeom prst="rect">
+            <a:avLst/>
+          </a:prstGeom>
+          <a:noFill/>
+        </p:spPr>
+        <p:txBody>
+          <a:bodyPr wrap="square">
+            <a:spAutoFit/>
+          </a:bodyPr>
+          <a:lstStyle/>
+          <a:p>
+            <a:r>
+              <a:rPr lang="en-US" altLang="ko-KR" sz="1100" dirty="0"/>
+              <a:t>import </a:t>
+            </a:r>
+            <a:r>
+              <a:rPr lang="en-US" altLang="ko-KR" sz="1100" dirty="0" err="1"/>
+              <a:t>tensorflow</a:t>
+            </a:r>
+            <a:r>
+              <a:rPr lang="en-US" altLang="ko-KR" sz="1100" dirty="0"/>
+              <a:t> as </a:t>
+            </a:r>
+            <a:r>
+              <a:rPr lang="en-US" altLang="ko-KR" sz="1100" dirty="0" err="1"/>
+              <a:t>tf</a:t>
+            </a:r>
+            <a:endParaRPr lang="en-US" altLang="ko-KR" sz="1100" dirty="0"/>
+          </a:p>
+          <a:p>
+            <a:r>
+              <a:rPr lang="en-US" altLang="ko-KR" sz="1100" dirty="0"/>
+              <a:t>from </a:t>
+            </a:r>
+            <a:r>
+              <a:rPr lang="en-US" altLang="ko-KR" sz="1100" dirty="0" err="1"/>
+              <a:t>tensorflow.keras.models</a:t>
+            </a:r>
+            <a:r>
+              <a:rPr lang="en-US" altLang="ko-KR" sz="1100" dirty="0"/>
+              <a:t> import Model</a:t>
+            </a:r>
+          </a:p>
+          <a:p>
+            <a:r>
+              <a:rPr lang="en-US" altLang="ko-KR" sz="1100" dirty="0"/>
+              <a:t>from </a:t>
+            </a:r>
+            <a:r>
+              <a:rPr lang="en-US" altLang="ko-KR" sz="1100" dirty="0" err="1"/>
+              <a:t>tensorflow.keras.layers</a:t>
+            </a:r>
+            <a:r>
+              <a:rPr lang="en-US" altLang="ko-KR" sz="1100" dirty="0"/>
+              <a:t> import Dense, Dropout, GlobalAveragePooling2D, Input</a:t>
+            </a:r>
+          </a:p>
+          <a:p>
+            <a:r>
+              <a:rPr lang="en-US" altLang="ko-KR" sz="1100" dirty="0"/>
+              <a:t>from </a:t>
+            </a:r>
+            <a:r>
+              <a:rPr lang="en-US" altLang="ko-KR" sz="1100" dirty="0" err="1"/>
+              <a:t>tensorflow.keras.applications</a:t>
+            </a:r>
+            <a:r>
+              <a:rPr lang="en-US" altLang="ko-KR" sz="1100" dirty="0"/>
+              <a:t> import MobileNetV2</a:t>
+            </a:r>
+          </a:p>
+          <a:p>
+            <a:r>
+              <a:rPr lang="en-US" altLang="ko-KR" sz="1100" dirty="0"/>
+              <a:t>from </a:t>
+            </a:r>
+            <a:r>
+              <a:rPr lang="en-US" altLang="ko-KR" sz="1100" dirty="0" err="1"/>
+              <a:t>tensorflow.keras.preprocessing.image</a:t>
+            </a:r>
+            <a:r>
+              <a:rPr lang="en-US" altLang="ko-KR" sz="1100" dirty="0"/>
+              <a:t> import </a:t>
+            </a:r>
+            <a:r>
+              <a:rPr lang="en-US" altLang="ko-KR" sz="1100" dirty="0" err="1"/>
+              <a:t>ImageDataGenerator</a:t>
+            </a:r>
+            <a:endParaRPr lang="en-US" altLang="ko-KR" sz="1100" dirty="0"/>
+          </a:p>
+          <a:p>
+            <a:r>
+              <a:rPr lang="en-US" altLang="ko-KR" sz="1100" dirty="0"/>
+              <a:t>import </a:t>
+            </a:r>
+            <a:r>
+              <a:rPr lang="en-US" altLang="ko-KR" sz="1100" dirty="0" err="1"/>
+              <a:t>os</a:t>
+            </a:r>
+            <a:endParaRPr lang="en-US" altLang="ko-KR" sz="1100" dirty="0"/>
+          </a:p>
+          <a:p>
+            <a:endParaRPr lang="en-US" altLang="ko-KR" sz="1100" dirty="0"/>
+          </a:p>
+          <a:p>
+            <a:r>
+              <a:rPr lang="en-US" altLang="ko-KR" sz="1100" dirty="0"/>
+              <a:t># 1. </a:t>
+            </a:r>
+            <a:r>
+              <a:rPr lang="ko-KR" altLang="en-US" sz="1100" dirty="0"/>
+              <a:t>데이터 경로</a:t>
+            </a:r>
+          </a:p>
+          <a:p>
+            <a:r>
+              <a:rPr lang="en-US" altLang="ko-KR" sz="1100" dirty="0" err="1"/>
+              <a:t>data_dir</a:t>
+            </a:r>
+            <a:r>
+              <a:rPr lang="en-US" altLang="ko-KR" sz="1100" dirty="0"/>
+              <a:t> = </a:t>
+            </a:r>
+            <a:r>
+              <a:rPr lang="en-US" altLang="ko-KR" sz="1100" dirty="0" err="1"/>
+              <a:t>r'C</a:t>
+            </a:r>
+            <a:r>
+              <a:rPr lang="en-US" altLang="ko-KR" sz="1100" dirty="0"/>
+              <a:t>:\datasets\</a:t>
+            </a:r>
+            <a:r>
+              <a:rPr lang="en-US" altLang="ko-KR" sz="1100" dirty="0" err="1"/>
+              <a:t>stanford_dogs</a:t>
+            </a:r>
+            <a:r>
+              <a:rPr lang="en-US" altLang="ko-KR" sz="1100" dirty="0"/>
+              <a:t>\images\images'</a:t>
+            </a:r>
+          </a:p>
+          <a:p>
+            <a:endParaRPr lang="en-US" altLang="ko-KR" sz="1100" dirty="0"/>
+          </a:p>
+          <a:p>
+            <a:r>
+              <a:rPr lang="en-US" altLang="ko-KR" sz="1100" dirty="0"/>
+              <a:t># 2. </a:t>
+            </a:r>
+            <a:r>
+              <a:rPr lang="ko-KR" altLang="en-US" sz="1100" dirty="0" err="1"/>
+              <a:t>전처리</a:t>
+            </a:r>
+            <a:endParaRPr lang="ko-KR" altLang="en-US" sz="1100" dirty="0"/>
+          </a:p>
+          <a:p>
+            <a:r>
+              <a:rPr lang="en-US" altLang="ko-KR" sz="1100" dirty="0" err="1"/>
+              <a:t>img_size</a:t>
+            </a:r>
+            <a:r>
+              <a:rPr lang="en-US" altLang="ko-KR" sz="1100" dirty="0"/>
+              <a:t> = (160, 160)</a:t>
+            </a:r>
+          </a:p>
+          <a:p>
+            <a:r>
+              <a:rPr lang="en-US" altLang="ko-KR" sz="1100" dirty="0" err="1"/>
+              <a:t>batch_size</a:t>
+            </a:r>
+            <a:r>
+              <a:rPr lang="en-US" altLang="ko-KR" sz="1100" dirty="0"/>
+              <a:t> = 64</a:t>
+            </a:r>
+          </a:p>
+          <a:p>
+            <a:endParaRPr lang="en-US" altLang="ko-KR" sz="1100" dirty="0"/>
+          </a:p>
+          <a:p>
+            <a:r>
+              <a:rPr lang="en-US" altLang="ko-KR" sz="1100" dirty="0" err="1"/>
+              <a:t>datagen</a:t>
+            </a:r>
+            <a:r>
+              <a:rPr lang="en-US" altLang="ko-KR" sz="1100" dirty="0"/>
+              <a:t> = </a:t>
+            </a:r>
+            <a:r>
+              <a:rPr lang="en-US" altLang="ko-KR" sz="1100" dirty="0" err="1"/>
+              <a:t>ImageDataGenerator</a:t>
+            </a:r>
+            <a:r>
+              <a:rPr lang="en-US" altLang="ko-KR" sz="1100" dirty="0"/>
+              <a:t>(</a:t>
+            </a:r>
+          </a:p>
+          <a:p>
+            <a:r>
+              <a:rPr lang="en-US" altLang="ko-KR" sz="1100" dirty="0"/>
+              <a:t>    rescale=1./255,</a:t>
+            </a:r>
+          </a:p>
+          <a:p>
+            <a:r>
+              <a:rPr lang="en-US" altLang="ko-KR" sz="1100" dirty="0"/>
+              <a:t>    </a:t>
+            </a:r>
+            <a:r>
+              <a:rPr lang="en-US" altLang="ko-KR" sz="1100" dirty="0" err="1"/>
+              <a:t>validation_split</a:t>
+            </a:r>
+            <a:r>
+              <a:rPr lang="en-US" altLang="ko-KR" sz="1100" dirty="0"/>
+              <a:t>=0.2,</a:t>
+            </a:r>
+          </a:p>
+          <a:p>
+            <a:r>
+              <a:rPr lang="en-US" altLang="ko-KR" sz="1100" dirty="0"/>
+              <a:t>    </a:t>
+            </a:r>
+            <a:r>
+              <a:rPr lang="en-US" altLang="ko-KR" sz="1100" dirty="0" err="1"/>
+              <a:t>horizontal_flip</a:t>
+            </a:r>
+            <a:r>
+              <a:rPr lang="en-US" altLang="ko-KR" sz="1100" dirty="0"/>
+              <a:t>=True,</a:t>
+            </a:r>
+          </a:p>
+          <a:p>
+            <a:r>
+              <a:rPr lang="en-US" altLang="ko-KR" sz="1100" dirty="0"/>
+              <a:t>    </a:t>
+            </a:r>
+            <a:r>
+              <a:rPr lang="en-US" altLang="ko-KR" sz="1100" dirty="0" err="1"/>
+              <a:t>zoom_range</a:t>
+            </a:r>
+            <a:r>
+              <a:rPr lang="en-US" altLang="ko-KR" sz="1100" dirty="0"/>
+              <a:t>=0.2</a:t>
+            </a:r>
+          </a:p>
+          <a:p>
+            <a:r>
+              <a:rPr lang="en-US" altLang="ko-KR" sz="1100" dirty="0"/>
+              <a:t>)</a:t>
+            </a:r>
+          </a:p>
+          <a:p>
+            <a:endParaRPr lang="en-US" altLang="ko-KR" sz="1100" dirty="0"/>
+          </a:p>
+          <a:p>
+            <a:r>
+              <a:rPr lang="en-US" altLang="ko-KR" sz="1100" dirty="0" err="1"/>
+              <a:t>train_generator</a:t>
+            </a:r>
+            <a:r>
+              <a:rPr lang="en-US" altLang="ko-KR" sz="1100" dirty="0"/>
+              <a:t> = </a:t>
+            </a:r>
+            <a:r>
+              <a:rPr lang="en-US" altLang="ko-KR" sz="1100" dirty="0" err="1"/>
+              <a:t>datagen.flow_from_directory</a:t>
+            </a:r>
+            <a:r>
+              <a:rPr lang="en-US" altLang="ko-KR" sz="1100" dirty="0"/>
+              <a:t>(</a:t>
+            </a:r>
+          </a:p>
+          <a:p>
+            <a:r>
+              <a:rPr lang="en-US" altLang="ko-KR" sz="1100" dirty="0"/>
+              <a:t>    </a:t>
+            </a:r>
+            <a:r>
+              <a:rPr lang="en-US" altLang="ko-KR" sz="1100" dirty="0" err="1"/>
+              <a:t>data_dir</a:t>
+            </a:r>
+            <a:r>
+              <a:rPr lang="en-US" altLang="ko-KR" sz="1100" dirty="0"/>
+              <a:t>,</a:t>
+            </a:r>
+          </a:p>
+          <a:p>
+            <a:r>
+              <a:rPr lang="en-US" altLang="ko-KR" sz="1100" dirty="0"/>
+              <a:t>    </a:t>
+            </a:r>
+            <a:r>
+              <a:rPr lang="en-US" altLang="ko-KR" sz="1100" dirty="0" err="1"/>
+              <a:t>target_size</a:t>
+            </a:r>
+            <a:r>
+              <a:rPr lang="en-US" altLang="ko-KR" sz="1100" dirty="0"/>
+              <a:t>=</a:t>
+            </a:r>
+            <a:r>
+              <a:rPr lang="en-US" altLang="ko-KR" sz="1100" dirty="0" err="1"/>
+              <a:t>img_size</a:t>
+            </a:r>
+            <a:r>
+              <a:rPr lang="en-US" altLang="ko-KR" sz="1100" dirty="0"/>
+              <a:t>,</a:t>
+            </a:r>
+          </a:p>
+          <a:p>
+            <a:r>
+              <a:rPr lang="en-US" altLang="ko-KR" sz="1100" dirty="0"/>
+              <a:t>    </a:t>
+            </a:r>
+            <a:r>
+              <a:rPr lang="en-US" altLang="ko-KR" sz="1100" dirty="0" err="1"/>
+              <a:t>batch_size</a:t>
+            </a:r>
+            <a:r>
+              <a:rPr lang="en-US" altLang="ko-KR" sz="1100" dirty="0"/>
+              <a:t>=</a:t>
+            </a:r>
+            <a:r>
+              <a:rPr lang="en-US" altLang="ko-KR" sz="1100" dirty="0" err="1"/>
+              <a:t>batch_size</a:t>
+            </a:r>
+            <a:r>
+              <a:rPr lang="en-US" altLang="ko-KR" sz="1100" dirty="0"/>
+              <a:t>,</a:t>
+            </a:r>
+          </a:p>
+          <a:p>
+            <a:r>
+              <a:rPr lang="en-US" altLang="ko-KR" sz="1100" dirty="0"/>
+              <a:t>    </a:t>
+            </a:r>
+            <a:r>
+              <a:rPr lang="en-US" altLang="ko-KR" sz="1100" dirty="0" err="1"/>
+              <a:t>class_mode</a:t>
+            </a:r>
+            <a:r>
+              <a:rPr lang="en-US" altLang="ko-KR" sz="1100" dirty="0"/>
+              <a:t>='categorical',</a:t>
+            </a:r>
+          </a:p>
+          <a:p>
+            <a:r>
+              <a:rPr lang="en-US" altLang="ko-KR" sz="1100" dirty="0"/>
+              <a:t>    subset='training'</a:t>
+            </a:r>
+          </a:p>
+          <a:p>
+            <a:r>
+              <a:rPr lang="en-US" altLang="ko-KR" sz="1100" dirty="0"/>
+              <a:t>)</a:t>
+            </a:r>
+          </a:p>
+          <a:p>
+            <a:endParaRPr lang="en-US" altLang="ko-KR" sz="1100" dirty="0"/>
+          </a:p>
+          <a:p>
+            <a:r>
+              <a:rPr lang="en-US" altLang="ko-KR" sz="1100" dirty="0" err="1"/>
+              <a:t>val_generator</a:t>
+            </a:r>
+            <a:r>
+              <a:rPr lang="en-US" altLang="ko-KR" sz="1100" dirty="0"/>
+              <a:t> = </a:t>
+            </a:r>
+            <a:r>
+              <a:rPr lang="en-US" altLang="ko-KR" sz="1100" dirty="0" err="1"/>
+              <a:t>datagen.flow_from_directory</a:t>
+            </a:r>
+            <a:r>
+              <a:rPr lang="en-US" altLang="ko-KR" sz="1100" dirty="0"/>
+              <a:t>(</a:t>
+            </a:r>
+          </a:p>
+          <a:p>
+            <a:r>
+              <a:rPr lang="en-US" altLang="ko-KR" sz="1100" dirty="0"/>
+              <a:t>    </a:t>
+            </a:r>
+            <a:r>
+              <a:rPr lang="en-US" altLang="ko-KR" sz="1100" dirty="0" err="1"/>
+              <a:t>data_dir</a:t>
+            </a:r>
+            <a:r>
+              <a:rPr lang="en-US" altLang="ko-KR" sz="1100" dirty="0"/>
+              <a:t>,</a:t>
+            </a:r>
+          </a:p>
+          <a:p>
+            <a:r>
+              <a:rPr lang="en-US" altLang="ko-KR" sz="1100" dirty="0"/>
+              <a:t>    </a:t>
+            </a:r>
+            <a:r>
+              <a:rPr lang="en-US" altLang="ko-KR" sz="1100" dirty="0" err="1"/>
+              <a:t>target_size</a:t>
+            </a:r>
+            <a:r>
+              <a:rPr lang="en-US" altLang="ko-KR" sz="1100" dirty="0"/>
+              <a:t>=</a:t>
+            </a:r>
+            <a:r>
+              <a:rPr lang="en-US" altLang="ko-KR" sz="1100" dirty="0" err="1"/>
+              <a:t>img_size</a:t>
+            </a:r>
+            <a:r>
+              <a:rPr lang="en-US" altLang="ko-KR" sz="1100" dirty="0"/>
+              <a:t>,</a:t>
+            </a:r>
+          </a:p>
+          <a:p>
+            <a:r>
+              <a:rPr lang="en-US" altLang="ko-KR" sz="1100" dirty="0"/>
+              <a:t>    </a:t>
+            </a:r>
+            <a:r>
+              <a:rPr lang="en-US" altLang="ko-KR" sz="1100" dirty="0" err="1"/>
+              <a:t>batch_size</a:t>
+            </a:r>
+            <a:r>
+              <a:rPr lang="en-US" altLang="ko-KR" sz="1100" dirty="0"/>
+              <a:t>=</a:t>
+            </a:r>
+            <a:r>
+              <a:rPr lang="en-US" altLang="ko-KR" sz="1100" dirty="0" err="1"/>
+              <a:t>batch_size</a:t>
+            </a:r>
+            <a:r>
+              <a:rPr lang="en-US" altLang="ko-KR" sz="1100" dirty="0"/>
+              <a:t>,</a:t>
+            </a:r>
+          </a:p>
+          <a:p>
+            <a:r>
+              <a:rPr lang="en-US" altLang="ko-KR" sz="1100" dirty="0"/>
+              <a:t>    </a:t>
+            </a:r>
+            <a:r>
+              <a:rPr lang="en-US" altLang="ko-KR" sz="1100" dirty="0" err="1"/>
+              <a:t>class_mode</a:t>
+            </a:r>
+            <a:r>
+              <a:rPr lang="en-US" altLang="ko-KR" sz="1100" dirty="0"/>
+              <a:t>='categorical',</a:t>
+            </a:r>
+          </a:p>
+          <a:p>
+            <a:r>
+              <a:rPr lang="en-US" altLang="ko-KR" sz="1100" dirty="0"/>
+              <a:t>    subset='validation'</a:t>
+            </a:r>
+          </a:p>
+          <a:p>
+            <a:r>
+              <a:rPr lang="en-US" altLang="ko-KR" sz="1100" dirty="0"/>
+              <a:t>)</a:t>
+            </a:r>
+          </a:p>
+          <a:p>
+            <a:endParaRPr lang="en-US" altLang="ko-KR" sz="1100" dirty="0"/>
+          </a:p>
+        </p:txBody>
+      </p:sp>
+      <p:sp>
+        <p:nvSpPr>
+          <p:cNvPr id="17" name="TextBox 16">
+            <a:extLst>
+              <a:ext uri="{FF2B5EF4-FFF2-40B4-BE49-F238E27FC236}">
+                <a16:creationId xmlns:a16="http://schemas.microsoft.com/office/drawing/2014/main" id="{64EECD2D-2D53-E6E4-22EC-3E8FB0CD5DDE}"/>
+              </a:ext>
+            </a:extLst>
+          </p:cNvPr>
+          <p:cNvSpPr txBox="1"/>
+          <p:nvPr/>
+        </p:nvSpPr>
+        <p:spPr>
+          <a:xfrm>
+            <a:off x="5850194" y="160287"/>
+            <a:ext cx="6096000" cy="6186309"/>
+          </a:xfrm>
+          <a:prstGeom prst="rect">
+            <a:avLst/>
+          </a:prstGeom>
+          <a:noFill/>
+        </p:spPr>
+        <p:txBody>
+          <a:bodyPr wrap="square">
+            <a:spAutoFit/>
+          </a:bodyPr>
+          <a:lstStyle/>
+          <a:p>
+            <a:r>
+              <a:rPr lang="en-US" altLang="ko-KR" sz="1200" dirty="0"/>
+              <a:t># 3. </a:t>
+            </a:r>
+            <a:r>
+              <a:rPr lang="ko-KR" altLang="en-US" sz="1200" dirty="0"/>
+              <a:t>모델 구성</a:t>
+            </a:r>
+          </a:p>
+          <a:p>
+            <a:r>
+              <a:rPr lang="en-US" altLang="ko-KR" sz="1200" dirty="0" err="1"/>
+              <a:t>base_model</a:t>
+            </a:r>
+            <a:r>
+              <a:rPr lang="en-US" altLang="ko-KR" sz="1200" dirty="0"/>
+              <a:t> = MobileNetV2(</a:t>
+            </a:r>
+            <a:r>
+              <a:rPr lang="en-US" altLang="ko-KR" sz="1200" dirty="0" err="1"/>
+              <a:t>input_shape</a:t>
+            </a:r>
+            <a:r>
+              <a:rPr lang="en-US" altLang="ko-KR" sz="1200" dirty="0"/>
+              <a:t>=(160, 160, 3), </a:t>
+            </a:r>
+            <a:r>
+              <a:rPr lang="en-US" altLang="ko-KR" sz="1200" dirty="0" err="1"/>
+              <a:t>include_top</a:t>
+            </a:r>
+            <a:r>
+              <a:rPr lang="en-US" altLang="ko-KR" sz="1200" dirty="0"/>
+              <a:t>=False, weights='</a:t>
+            </a:r>
+            <a:r>
+              <a:rPr lang="en-US" altLang="ko-KR" sz="1200" dirty="0" err="1"/>
+              <a:t>imagenet</a:t>
+            </a:r>
+            <a:r>
+              <a:rPr lang="en-US" altLang="ko-KR" sz="1200" dirty="0"/>
+              <a:t>')</a:t>
+            </a:r>
+          </a:p>
+          <a:p>
+            <a:r>
+              <a:rPr lang="en-US" altLang="ko-KR" sz="1200" dirty="0" err="1"/>
+              <a:t>base_model.trainable</a:t>
+            </a:r>
+            <a:r>
+              <a:rPr lang="en-US" altLang="ko-KR" sz="1200" dirty="0"/>
+              <a:t> = False</a:t>
+            </a:r>
+          </a:p>
+          <a:p>
+            <a:endParaRPr lang="en-US" altLang="ko-KR" sz="1200" dirty="0"/>
+          </a:p>
+          <a:p>
+            <a:r>
+              <a:rPr lang="en-US" altLang="ko-KR" sz="1200" dirty="0"/>
+              <a:t>inputs = Input(shape=(160, 160, 3))</a:t>
+            </a:r>
+          </a:p>
+          <a:p>
+            <a:r>
+              <a:rPr lang="en-US" altLang="ko-KR" sz="1200" dirty="0"/>
+              <a:t>x = </a:t>
+            </a:r>
+            <a:r>
+              <a:rPr lang="en-US" altLang="ko-KR" sz="1200" dirty="0" err="1"/>
+              <a:t>base_model</a:t>
+            </a:r>
+            <a:r>
+              <a:rPr lang="en-US" altLang="ko-KR" sz="1200" dirty="0"/>
+              <a:t>(inputs, training=False)</a:t>
+            </a:r>
+          </a:p>
+          <a:p>
+            <a:r>
+              <a:rPr lang="en-US" altLang="ko-KR" sz="1200" dirty="0"/>
+              <a:t>x = GlobalAveragePooling2D()(x)</a:t>
+            </a:r>
+          </a:p>
+          <a:p>
+            <a:r>
+              <a:rPr lang="en-US" altLang="ko-KR" sz="1200" dirty="0"/>
+              <a:t>x = Dropout(0.3)(x)</a:t>
+            </a:r>
+          </a:p>
+          <a:p>
+            <a:r>
+              <a:rPr lang="en-US" altLang="ko-KR" sz="1200" dirty="0"/>
+              <a:t>outputs = Dense(</a:t>
+            </a:r>
+            <a:r>
+              <a:rPr lang="en-US" altLang="ko-KR" sz="1200" dirty="0" err="1"/>
+              <a:t>train_generator.num_classes</a:t>
+            </a:r>
+            <a:r>
+              <a:rPr lang="en-US" altLang="ko-KR" sz="1200" dirty="0"/>
+              <a:t>, activation='</a:t>
+            </a:r>
+            <a:r>
+              <a:rPr lang="en-US" altLang="ko-KR" sz="1200" dirty="0" err="1"/>
+              <a:t>softmax</a:t>
+            </a:r>
+            <a:r>
+              <a:rPr lang="en-US" altLang="ko-KR" sz="1200" dirty="0"/>
+              <a:t>')(x)</a:t>
+            </a:r>
+          </a:p>
+          <a:p>
+            <a:r>
+              <a:rPr lang="en-US" altLang="ko-KR" sz="1200" dirty="0"/>
+              <a:t>model = Model(inputs, outputs)</a:t>
+            </a:r>
+          </a:p>
+          <a:p>
+            <a:endParaRPr lang="en-US" altLang="ko-KR" sz="1200" dirty="0"/>
+          </a:p>
+          <a:p>
+            <a:r>
+              <a:rPr lang="en-US" altLang="ko-KR" sz="1200" dirty="0" err="1"/>
+              <a:t>model.compile</a:t>
+            </a:r>
+            <a:r>
+              <a:rPr lang="en-US" altLang="ko-KR" sz="1200" dirty="0"/>
+              <a:t>(optimizer='</a:t>
+            </a:r>
+            <a:r>
+              <a:rPr lang="en-US" altLang="ko-KR" sz="1200" dirty="0" err="1"/>
+              <a:t>adam</a:t>
+            </a:r>
+            <a:r>
+              <a:rPr lang="en-US" altLang="ko-KR" sz="1200" dirty="0"/>
+              <a:t>', loss='</a:t>
+            </a:r>
+            <a:r>
+              <a:rPr lang="en-US" altLang="ko-KR" sz="1200" dirty="0" err="1"/>
+              <a:t>categorical_crossentropy</a:t>
+            </a:r>
+            <a:r>
+              <a:rPr lang="en-US" altLang="ko-KR" sz="1200" dirty="0"/>
+              <a:t>', metrics=['accuracy'])</a:t>
+            </a:r>
+          </a:p>
+          <a:p>
+            <a:endParaRPr lang="en-US" altLang="ko-KR" sz="1200" dirty="0"/>
+          </a:p>
+          <a:p>
+            <a:r>
+              <a:rPr lang="en-US" altLang="ko-KR" sz="1200" dirty="0"/>
+              <a:t># 4. </a:t>
+            </a:r>
+            <a:r>
+              <a:rPr lang="ko-KR" altLang="en-US" sz="1200" dirty="0"/>
+              <a:t>학습</a:t>
+            </a:r>
+          </a:p>
+          <a:p>
+            <a:r>
+              <a:rPr lang="en-US" altLang="ko-KR" sz="1200" dirty="0" err="1"/>
+              <a:t>model.fit</a:t>
+            </a:r>
+            <a:r>
+              <a:rPr lang="en-US" altLang="ko-KR" sz="1200" dirty="0"/>
+              <a:t>(</a:t>
+            </a:r>
+          </a:p>
+          <a:p>
+            <a:r>
+              <a:rPr lang="en-US" altLang="ko-KR" sz="1200" dirty="0"/>
+              <a:t>    </a:t>
+            </a:r>
+            <a:r>
+              <a:rPr lang="en-US" altLang="ko-KR" sz="1200" dirty="0" err="1"/>
+              <a:t>train_generator</a:t>
+            </a:r>
+            <a:r>
+              <a:rPr lang="en-US" altLang="ko-KR" sz="1200" dirty="0"/>
+              <a:t>,</a:t>
+            </a:r>
+          </a:p>
+          <a:p>
+            <a:r>
+              <a:rPr lang="en-US" altLang="ko-KR" sz="1200" dirty="0"/>
+              <a:t>    </a:t>
+            </a:r>
+            <a:r>
+              <a:rPr lang="en-US" altLang="ko-KR" sz="1200" dirty="0" err="1"/>
+              <a:t>validation_data</a:t>
+            </a:r>
+            <a:r>
+              <a:rPr lang="en-US" altLang="ko-KR" sz="1200" dirty="0"/>
+              <a:t>=</a:t>
+            </a:r>
+            <a:r>
+              <a:rPr lang="en-US" altLang="ko-KR" sz="1200" dirty="0" err="1"/>
+              <a:t>val_generator</a:t>
+            </a:r>
+            <a:r>
+              <a:rPr lang="en-US" altLang="ko-KR" sz="1200" dirty="0"/>
+              <a:t>,</a:t>
+            </a:r>
+          </a:p>
+          <a:p>
+            <a:r>
+              <a:rPr lang="en-US" altLang="ko-KR" sz="1200" dirty="0"/>
+              <a:t>    epochs=10</a:t>
+            </a:r>
+          </a:p>
+          <a:p>
+            <a:r>
+              <a:rPr lang="en-US" altLang="ko-KR" sz="1200" dirty="0"/>
+              <a:t>)</a:t>
+            </a:r>
+          </a:p>
+          <a:p>
+            <a:endParaRPr lang="en-US" altLang="ko-KR" sz="1200" dirty="0"/>
+          </a:p>
+          <a:p>
+            <a:r>
+              <a:rPr lang="en-US" altLang="ko-KR" sz="1200" dirty="0"/>
+              <a:t># 5. </a:t>
+            </a:r>
+            <a:r>
+              <a:rPr lang="ko-KR" altLang="en-US" sz="1200" dirty="0"/>
+              <a:t>모델 저장 </a:t>
+            </a:r>
+            <a:r>
+              <a:rPr lang="en-US" altLang="ko-KR" sz="1200" dirty="0"/>
+              <a:t>(</a:t>
+            </a:r>
+            <a:r>
+              <a:rPr lang="ko-KR" altLang="en-US" sz="1200" dirty="0"/>
+              <a:t>학번</a:t>
+            </a:r>
+            <a:r>
+              <a:rPr lang="en-US" altLang="ko-KR" sz="1200" dirty="0"/>
+              <a:t>.h5 </a:t>
+            </a:r>
+            <a:r>
+              <a:rPr lang="ko-KR" altLang="en-US" sz="1200" dirty="0"/>
+              <a:t>형식</a:t>
+            </a:r>
+            <a:r>
+              <a:rPr lang="en-US" altLang="ko-KR" sz="1200" dirty="0"/>
+              <a:t>)</a:t>
+            </a:r>
+          </a:p>
+          <a:p>
+            <a:r>
+              <a:rPr lang="en-US" altLang="ko-KR" sz="1200" dirty="0" err="1"/>
+              <a:t>model.save</a:t>
+            </a:r>
+            <a:r>
+              <a:rPr lang="en-US" altLang="ko-KR" sz="1200" dirty="0"/>
+              <a:t>(</a:t>
+            </a:r>
+            <a:r>
+              <a:rPr lang="en-US" altLang="ko-KR" sz="1200" dirty="0" err="1"/>
+              <a:t>r'C</a:t>
+            </a:r>
+            <a:r>
+              <a:rPr lang="en-US" altLang="ko-KR" sz="1200" dirty="0"/>
+              <a:t>:\datasets\</a:t>
+            </a:r>
+            <a:r>
+              <a:rPr lang="en-US" altLang="ko-KR" sz="1200" dirty="0" err="1"/>
+              <a:t>stanford_dogs</a:t>
+            </a:r>
+            <a:r>
+              <a:rPr lang="en-US" altLang="ko-KR" sz="1200" dirty="0"/>
+              <a:t>\2024254002.h5')</a:t>
+            </a:r>
+          </a:p>
+          <a:p>
+            <a:endParaRPr lang="en-US" altLang="ko-KR" sz="1200" dirty="0"/>
+          </a:p>
+          <a:p>
+            <a:r>
+              <a:rPr lang="en-US" altLang="ko-KR" sz="1200" dirty="0"/>
+              <a:t># 6. </a:t>
+            </a:r>
+            <a:r>
+              <a:rPr lang="ko-KR" altLang="en-US" sz="1200" dirty="0" err="1"/>
+              <a:t>견종</a:t>
+            </a:r>
+            <a:r>
+              <a:rPr lang="ko-KR" altLang="en-US" sz="1200" dirty="0"/>
+              <a:t> 이름 저장 </a:t>
+            </a:r>
+            <a:r>
+              <a:rPr lang="en-US" altLang="ko-KR" sz="1200" dirty="0"/>
+              <a:t>(dog_species_name.txt)</a:t>
+            </a:r>
+          </a:p>
+          <a:p>
+            <a:r>
+              <a:rPr lang="en-US" altLang="ko-KR" sz="1200" dirty="0" err="1"/>
+              <a:t>class_names</a:t>
+            </a:r>
+            <a:r>
+              <a:rPr lang="en-US" altLang="ko-KR" sz="1200" dirty="0"/>
+              <a:t> = list(</a:t>
+            </a:r>
+            <a:r>
+              <a:rPr lang="en-US" altLang="ko-KR" sz="1200" dirty="0" err="1"/>
+              <a:t>train_generator.class_indices.keys</a:t>
+            </a:r>
+            <a:r>
+              <a:rPr lang="en-US" altLang="ko-KR" sz="1200" dirty="0"/>
+              <a:t>())</a:t>
+            </a:r>
+          </a:p>
+          <a:p>
+            <a:r>
+              <a:rPr lang="en-US" altLang="ko-KR" sz="1200" dirty="0"/>
+              <a:t>with open(</a:t>
+            </a:r>
+            <a:r>
+              <a:rPr lang="en-US" altLang="ko-KR" sz="1200" dirty="0" err="1"/>
+              <a:t>r'C</a:t>
+            </a:r>
+            <a:r>
+              <a:rPr lang="en-US" altLang="ko-KR" sz="1200" dirty="0"/>
+              <a:t>:\datasets\</a:t>
+            </a:r>
+            <a:r>
+              <a:rPr lang="en-US" altLang="ko-KR" sz="1200" dirty="0" err="1"/>
+              <a:t>stanford_dogs</a:t>
+            </a:r>
+            <a:r>
+              <a:rPr lang="en-US" altLang="ko-KR" sz="1200" dirty="0"/>
+              <a:t>\dog_species_name.txt', 'w', encoding='utf-8') as f:</a:t>
+            </a:r>
+          </a:p>
+          <a:p>
+            <a:r>
+              <a:rPr lang="en-US" altLang="ko-KR" sz="1200" dirty="0"/>
+              <a:t>    for name in </a:t>
+            </a:r>
+            <a:r>
+              <a:rPr lang="en-US" altLang="ko-KR" sz="1200" dirty="0" err="1"/>
+              <a:t>class_names</a:t>
+            </a:r>
+            <a:r>
+              <a:rPr lang="en-US" altLang="ko-KR" sz="1200" dirty="0"/>
+              <a:t>:</a:t>
+            </a:r>
+          </a:p>
+          <a:p>
+            <a:r>
+              <a:rPr lang="en-US" altLang="ko-KR" sz="1200" dirty="0"/>
+              <a:t>        </a:t>
+            </a:r>
+            <a:r>
+              <a:rPr lang="en-US" altLang="ko-KR" sz="1200" dirty="0" err="1"/>
+              <a:t>f.write</a:t>
+            </a:r>
+            <a:r>
+              <a:rPr lang="en-US" altLang="ko-KR" sz="1200" dirty="0"/>
+              <a:t>(name + '\n')</a:t>
+            </a:r>
+          </a:p>
+          <a:p>
+            <a:endParaRPr lang="en-US" altLang="ko-KR" sz="1200" dirty="0"/>
+          </a:p>
+          <a:p>
+            <a:r>
+              <a:rPr lang="en-US" altLang="ko-KR" sz="1200" dirty="0"/>
+              <a:t>print("</a:t>
+            </a:r>
+            <a:r>
+              <a:rPr lang="ko-KR" altLang="en-US" sz="1200" dirty="0"/>
+              <a:t>모델 및 </a:t>
+            </a:r>
+            <a:r>
+              <a:rPr lang="ko-KR" altLang="en-US" sz="1200" dirty="0" err="1"/>
+              <a:t>견종</a:t>
+            </a:r>
+            <a:r>
+              <a:rPr lang="ko-KR" altLang="en-US" sz="1200" dirty="0"/>
+              <a:t> 이름 파일 저장 완료</a:t>
+            </a:r>
+            <a:r>
+              <a:rPr lang="en-US" altLang="ko-KR" sz="1200" dirty="0"/>
+              <a:t>!")</a:t>
+            </a:r>
+            <a:endParaRPr lang="ko-KR" altLang="en-US" sz="1200" dirty="0"/>
           </a:p>
         </p:txBody>
       </p:sp>
@@ -4923,36 +4956,6 @@
           <a:chExt cx="0" cy="0"/>
         </a:xfrm>
       </p:grpSpPr>
-      <p:pic>
-        <p:nvPicPr>
-          <p:cNvPr id="4" name="그림 3">
-            <a:extLst>
-              <a:ext uri="{FF2B5EF4-FFF2-40B4-BE49-F238E27FC236}">
-                <a16:creationId xmlns:a16="http://schemas.microsoft.com/office/drawing/2014/main" id="{C5EAD702-486E-1772-80F9-955BD8CE5836}"/>
-              </a:ext>
-            </a:extLst>
-          </p:cNvPr>
-          <p:cNvPicPr>
-            <a:picLocks noChangeAspect="1"/>
-          </p:cNvPicPr>
-          <p:nvPr/>
-        </p:nvPicPr>
-        <p:blipFill>
-          <a:blip r:embed="rId2"/>
-          <a:stretch>
-            <a:fillRect/>
-          </a:stretch>
-        </p:blipFill>
-        <p:spPr>
-          <a:xfrm>
-            <a:off x="313518" y="2519235"/>
-            <a:ext cx="11564964" cy="1819529"/>
-          </a:xfrm>
-          <a:prstGeom prst="rect">
-            <a:avLst/>
-          </a:prstGeom>
-        </p:spPr>
-      </p:pic>
       <p:sp>
         <p:nvSpPr>
           <p:cNvPr id="2" name="직사각형 1">
@@ -4997,11 +5000,41 @@
             <a:pPr algn="ctr"/>
             <a:r>
               <a:rPr lang="ko-KR" altLang="en-US" dirty="0"/>
-              <a:t>실행</a:t>
+              <a:t>학습 실행</a:t>
             </a:r>
           </a:p>
         </p:txBody>
       </p:sp>
+      <p:pic>
+        <p:nvPicPr>
+          <p:cNvPr id="5" name="그림 4">
+            <a:extLst>
+              <a:ext uri="{FF2B5EF4-FFF2-40B4-BE49-F238E27FC236}">
+                <a16:creationId xmlns:a16="http://schemas.microsoft.com/office/drawing/2014/main" id="{99FFB65A-A2C8-3A0C-4817-C32C4540E03E}"/>
+              </a:ext>
+            </a:extLst>
+          </p:cNvPr>
+          <p:cNvPicPr>
+            <a:picLocks noChangeAspect="1"/>
+          </p:cNvPicPr>
+          <p:nvPr/>
+        </p:nvPicPr>
+        <p:blipFill>
+          <a:blip r:embed="rId2"/>
+          <a:stretch>
+            <a:fillRect/>
+          </a:stretch>
+        </p:blipFill>
+        <p:spPr>
+          <a:xfrm>
+            <a:off x="0" y="2088518"/>
+            <a:ext cx="12192000" cy="2680964"/>
+          </a:xfrm>
+          <a:prstGeom prst="rect">
+            <a:avLst/>
+          </a:prstGeom>
+        </p:spPr>
+      </p:pic>
     </p:spTree>
     <p:extLst>
       <p:ext uri="{BB962C8B-B14F-4D97-AF65-F5344CB8AC3E}">
@@ -5083,10 +5116,10 @@
       </p:sp>
       <p:sp>
         <p:nvSpPr>
-          <p:cNvPr id="9" name="TextBox 8">
-            <a:extLst>
-              <a:ext uri="{FF2B5EF4-FFF2-40B4-BE49-F238E27FC236}">
-                <a16:creationId xmlns:a16="http://schemas.microsoft.com/office/drawing/2014/main" id="{0C643EB1-9780-DBD6-FDB8-BBE1F977B164}"/>
+          <p:cNvPr id="4" name="TextBox 3">
+            <a:extLst>
+              <a:ext uri="{FF2B5EF4-FFF2-40B4-BE49-F238E27FC236}">
+                <a16:creationId xmlns:a16="http://schemas.microsoft.com/office/drawing/2014/main" id="{E971EB5E-E34D-EC60-FBA2-FA06AE7A6A2C}"/>
               </a:ext>
             </a:extLst>
           </p:cNvPr>
@@ -5095,8 +5128,8 @@
         </p:nvSpPr>
         <p:spPr>
           <a:xfrm>
-            <a:off x="333460" y="320575"/>
-            <a:ext cx="6094324" cy="6555641"/>
+            <a:off x="480944" y="461378"/>
+            <a:ext cx="6094324" cy="6601807"/>
           </a:xfrm>
           <a:prstGeom prst="rect">
             <a:avLst/>
@@ -5110,664 +5143,664 @@
           <a:lstStyle/>
           <a:p>
             <a:r>
-              <a:rPr lang="en-US" altLang="ko-KR" sz="1000" dirty="0"/>
+              <a:rPr lang="en-US" altLang="ko-KR" sz="900" dirty="0"/>
               <a:t>import cv2 as cv</a:t>
             </a:r>
           </a:p>
           <a:p>
             <a:r>
-              <a:rPr lang="en-US" altLang="ko-KR" sz="1000" dirty="0"/>
+              <a:rPr lang="en-US" altLang="ko-KR" sz="900" dirty="0"/>
               <a:t>import </a:t>
             </a:r>
             <a:r>
-              <a:rPr lang="en-US" altLang="ko-KR" sz="1000" dirty="0" err="1"/>
+              <a:rPr lang="en-US" altLang="ko-KR" sz="900" dirty="0" err="1"/>
               <a:t>numpy</a:t>
             </a:r>
             <a:r>
-              <a:rPr lang="en-US" altLang="ko-KR" sz="1000" dirty="0"/>
+              <a:rPr lang="en-US" altLang="ko-KR" sz="900" dirty="0"/>
               <a:t> as np</a:t>
             </a:r>
           </a:p>
           <a:p>
             <a:r>
-              <a:rPr lang="en-US" altLang="ko-KR" sz="1000" dirty="0"/>
+              <a:rPr lang="en-US" altLang="ko-KR" sz="900" dirty="0"/>
               <a:t>import </a:t>
             </a:r>
             <a:r>
-              <a:rPr lang="en-US" altLang="ko-KR" sz="1000" dirty="0" err="1"/>
+              <a:rPr lang="en-US" altLang="ko-KR" sz="900" dirty="0" err="1"/>
               <a:t>tensorflow</a:t>
             </a:r>
             <a:r>
-              <a:rPr lang="en-US" altLang="ko-KR" sz="1000" dirty="0"/>
+              <a:rPr lang="en-US" altLang="ko-KR" sz="900" dirty="0"/>
               <a:t> as </a:t>
             </a:r>
             <a:r>
-              <a:rPr lang="en-US" altLang="ko-KR" sz="1000" dirty="0" err="1"/>
+              <a:rPr lang="en-US" altLang="ko-KR" sz="900" dirty="0" err="1"/>
               <a:t>tf</a:t>
             </a:r>
-            <a:endParaRPr lang="en-US" altLang="ko-KR" sz="1000" dirty="0"/>
-          </a:p>
-          <a:p>
-            <a:r>
-              <a:rPr lang="en-US" altLang="ko-KR" sz="1000" dirty="0"/>
+            <a:endParaRPr lang="en-US" altLang="ko-KR" sz="900" dirty="0"/>
+          </a:p>
+          <a:p>
+            <a:r>
+              <a:rPr lang="en-US" altLang="ko-KR" sz="900" dirty="0"/>
               <a:t>import </a:t>
             </a:r>
             <a:r>
-              <a:rPr lang="en-US" altLang="ko-KR" sz="1000" dirty="0" err="1"/>
+              <a:rPr lang="en-US" altLang="ko-KR" sz="900" dirty="0" err="1"/>
               <a:t>winsound</a:t>
             </a:r>
-            <a:endParaRPr lang="en-US" altLang="ko-KR" sz="1000" dirty="0"/>
-          </a:p>
-          <a:p>
-            <a:r>
-              <a:rPr lang="en-US" altLang="ko-KR" sz="1000" dirty="0"/>
-              <a:t>import pickle</a:t>
-            </a:r>
-          </a:p>
-          <a:p>
-            <a:r>
-              <a:rPr lang="en-US" altLang="ko-KR" sz="1000" dirty="0"/>
+            <a:endParaRPr lang="en-US" altLang="ko-KR" sz="900" dirty="0"/>
+          </a:p>
+          <a:p>
+            <a:r>
+              <a:rPr lang="en-US" altLang="ko-KR" sz="900" dirty="0"/>
               <a:t>import sys</a:t>
             </a:r>
           </a:p>
           <a:p>
-            <a:r>
-              <a:rPr lang="en-US" altLang="ko-KR" sz="1000" dirty="0"/>
+            <a:endParaRPr lang="en-US" altLang="ko-KR" sz="900" dirty="0"/>
+          </a:p>
+          <a:p>
+            <a:r>
+              <a:rPr lang="en-US" altLang="ko-KR" sz="900" dirty="0"/>
               <a:t>from PyQt5.QtWidgets import *</a:t>
             </a:r>
           </a:p>
           <a:p>
             <a:r>
-              <a:rPr lang="en-US" altLang="ko-KR" sz="1000" dirty="0"/>
+              <a:rPr lang="en-US" altLang="ko-KR" sz="900" dirty="0"/>
               <a:t>from PyQt5.QtGui import </a:t>
             </a:r>
             <a:r>
-              <a:rPr lang="en-US" altLang="ko-KR" sz="1000" dirty="0" err="1"/>
+              <a:rPr lang="en-US" altLang="ko-KR" sz="900" dirty="0" err="1"/>
               <a:t>QImage</a:t>
             </a:r>
             <a:r>
-              <a:rPr lang="en-US" altLang="ko-KR" sz="1000" dirty="0"/>
+              <a:rPr lang="en-US" altLang="ko-KR" sz="900" dirty="0"/>
               <a:t>, </a:t>
             </a:r>
             <a:r>
-              <a:rPr lang="en-US" altLang="ko-KR" sz="1000" dirty="0" err="1"/>
+              <a:rPr lang="en-US" altLang="ko-KR" sz="900" dirty="0" err="1"/>
               <a:t>QPixmap</a:t>
             </a:r>
-            <a:endParaRPr lang="en-US" altLang="ko-KR" sz="1000" dirty="0"/>
-          </a:p>
-          <a:p>
-            <a:r>
-              <a:rPr lang="en-US" altLang="ko-KR" sz="1000" dirty="0"/>
+            <a:endParaRPr lang="en-US" altLang="ko-KR" sz="900" dirty="0"/>
+          </a:p>
+          <a:p>
+            <a:r>
+              <a:rPr lang="en-US" altLang="ko-KR" sz="900" dirty="0"/>
               <a:t>from PyQt5.QtCore import Qt</a:t>
             </a:r>
           </a:p>
           <a:p>
-            <a:endParaRPr lang="en-US" altLang="ko-KR" sz="1000" dirty="0"/>
-          </a:p>
-          <a:p>
-            <a:r>
-              <a:rPr lang="en-US" altLang="ko-KR" sz="1000" dirty="0"/>
+            <a:endParaRPr lang="en-US" altLang="ko-KR" sz="900" dirty="0"/>
+          </a:p>
+          <a:p>
+            <a:r>
+              <a:rPr lang="en-US" altLang="ko-KR" sz="900" dirty="0"/>
               <a:t># </a:t>
             </a:r>
             <a:r>
-              <a:rPr lang="ko-KR" altLang="en-US" sz="1000" dirty="0"/>
-              <a:t>✅ </a:t>
-            </a:r>
-            <a:r>
-              <a:rPr lang="en-US" altLang="ko-KR" sz="1000" dirty="0"/>
-              <a:t>1. </a:t>
-            </a:r>
-            <a:r>
-              <a:rPr lang="ko-KR" altLang="en-US" sz="1000" dirty="0"/>
+              <a:rPr lang="ko-KR" altLang="en-US" sz="900" dirty="0"/>
+              <a:t>사용자 정의</a:t>
+            </a:r>
+            <a:r>
+              <a:rPr lang="en-US" altLang="ko-KR" sz="900" dirty="0"/>
+              <a:t>: </a:t>
+            </a:r>
+            <a:r>
+              <a:rPr lang="ko-KR" altLang="en-US" sz="900" dirty="0"/>
+              <a:t>파일명</a:t>
+            </a:r>
+          </a:p>
+          <a:p>
+            <a:r>
+              <a:rPr lang="en-US" altLang="ko-KR" sz="900" dirty="0"/>
+              <a:t>MODEL_PATH = </a:t>
+            </a:r>
+            <a:r>
+              <a:rPr lang="en-US" altLang="ko-KR" sz="900" dirty="0" err="1"/>
+              <a:t>r'C</a:t>
+            </a:r>
+            <a:r>
+              <a:rPr lang="en-US" altLang="ko-KR" sz="900" dirty="0"/>
+              <a:t>:\datasets\</a:t>
+            </a:r>
+            <a:r>
+              <a:rPr lang="en-US" altLang="ko-KR" sz="900" dirty="0" err="1"/>
+              <a:t>stanford_dogs</a:t>
+            </a:r>
+            <a:r>
+              <a:rPr lang="en-US" altLang="ko-KR" sz="900" dirty="0"/>
+              <a:t>\2024254002.h5'</a:t>
+            </a:r>
+          </a:p>
+          <a:p>
+            <a:r>
+              <a:rPr lang="en-US" altLang="ko-KR" sz="900" dirty="0"/>
+              <a:t>CLASS_NAMES_PATH = </a:t>
+            </a:r>
+            <a:r>
+              <a:rPr lang="en-US" altLang="ko-KR" sz="900" dirty="0" err="1"/>
+              <a:t>r'C</a:t>
+            </a:r>
+            <a:r>
+              <a:rPr lang="en-US" altLang="ko-KR" sz="900" dirty="0"/>
+              <a:t>:\datasets\</a:t>
+            </a:r>
+            <a:r>
+              <a:rPr lang="en-US" altLang="ko-KR" sz="900" dirty="0" err="1"/>
+              <a:t>stanford_dogs</a:t>
+            </a:r>
+            <a:r>
+              <a:rPr lang="en-US" altLang="ko-KR" sz="900" dirty="0"/>
+              <a:t>\dog_species_name.txt'</a:t>
+            </a:r>
+          </a:p>
+          <a:p>
+            <a:r>
+              <a:rPr lang="en-US" altLang="ko-KR" sz="900" dirty="0"/>
+              <a:t>OUTPUT_IMAGE_PATH = </a:t>
+            </a:r>
+            <a:r>
+              <a:rPr lang="en-US" altLang="ko-KR" sz="900" dirty="0" err="1"/>
+              <a:t>r'C</a:t>
+            </a:r>
+            <a:r>
+              <a:rPr lang="en-US" altLang="ko-KR" sz="900" dirty="0"/>
+              <a:t>:\datasets\</a:t>
+            </a:r>
+            <a:r>
+              <a:rPr lang="en-US" altLang="ko-KR" sz="900" dirty="0" err="1"/>
+              <a:t>stanford_dogs</a:t>
+            </a:r>
+            <a:r>
+              <a:rPr lang="en-US" altLang="ko-KR" sz="900" dirty="0"/>
+              <a:t>\2024254002.png'</a:t>
+            </a:r>
+          </a:p>
+          <a:p>
+            <a:endParaRPr lang="en-US" altLang="ko-KR" sz="900" dirty="0"/>
+          </a:p>
+          <a:p>
+            <a:r>
+              <a:rPr lang="en-US" altLang="ko-KR" sz="900" dirty="0"/>
+              <a:t># 1. </a:t>
+            </a:r>
+            <a:r>
+              <a:rPr lang="ko-KR" altLang="en-US" sz="900" dirty="0"/>
               <a:t>모델 및 클래스 이름 로드</a:t>
             </a:r>
           </a:p>
           <a:p>
             <a:r>
-              <a:rPr lang="en-US" altLang="ko-KR" sz="1000" dirty="0" err="1"/>
+              <a:rPr lang="en-US" altLang="ko-KR" sz="900" dirty="0" err="1"/>
               <a:t>cnn</a:t>
             </a:r>
             <a:r>
-              <a:rPr lang="en-US" altLang="ko-KR" sz="1000" dirty="0"/>
+              <a:rPr lang="en-US" altLang="ko-KR" sz="900" dirty="0"/>
               <a:t> = </a:t>
             </a:r>
             <a:r>
-              <a:rPr lang="en-US" altLang="ko-KR" sz="1000" dirty="0" err="1"/>
+              <a:rPr lang="en-US" altLang="ko-KR" sz="900" dirty="0" err="1"/>
               <a:t>tf.keras.models.load_model</a:t>
             </a:r>
             <a:r>
-              <a:rPr lang="en-US" altLang="ko-KR" sz="1000" dirty="0"/>
-              <a:t>('mobilenetv2_transfer_stanford_dogs.h5')  # </a:t>
-            </a:r>
-            <a:r>
-              <a:rPr lang="ko-KR" altLang="en-US" sz="1000" dirty="0"/>
-              <a:t>학습된 모델 불러오기</a:t>
-            </a:r>
-          </a:p>
-          <a:p>
-            <a:endParaRPr lang="ko-KR" altLang="en-US" sz="1000" dirty="0"/>
-          </a:p>
-          <a:p>
-            <a:r>
-              <a:rPr lang="en-US" altLang="ko-KR" sz="1000" dirty="0"/>
-              <a:t># </a:t>
-            </a:r>
-            <a:r>
-              <a:rPr lang="ko-KR" altLang="en-US" sz="1000" dirty="0" err="1"/>
+              <a:rPr lang="en-US" altLang="ko-KR" sz="900" dirty="0"/>
+              <a:t>(MODEL_PATH)</a:t>
+            </a:r>
+          </a:p>
+          <a:p>
+            <a:endParaRPr lang="en-US" altLang="ko-KR" sz="900" dirty="0"/>
+          </a:p>
+          <a:p>
+            <a:r>
+              <a:rPr lang="en-US" altLang="ko-KR" sz="900" dirty="0"/>
+              <a:t>with open(CLASS_NAMES_PATH, 'r', encoding='utf-8') as f:</a:t>
+            </a:r>
+          </a:p>
+          <a:p>
+            <a:r>
+              <a:rPr lang="en-US" altLang="ko-KR" sz="900" dirty="0"/>
+              <a:t>    </a:t>
+            </a:r>
+            <a:r>
+              <a:rPr lang="en-US" altLang="ko-KR" sz="900" dirty="0" err="1"/>
+              <a:t>dog_species</a:t>
+            </a:r>
+            <a:r>
+              <a:rPr lang="en-US" altLang="ko-KR" sz="900" dirty="0"/>
+              <a:t> = [</a:t>
+            </a:r>
+            <a:r>
+              <a:rPr lang="en-US" altLang="ko-KR" sz="900" dirty="0" err="1"/>
+              <a:t>line.strip</a:t>
+            </a:r>
+            <a:r>
+              <a:rPr lang="en-US" altLang="ko-KR" sz="900" dirty="0"/>
+              <a:t>() for line in </a:t>
+            </a:r>
+            <a:r>
+              <a:rPr lang="en-US" altLang="ko-KR" sz="900" dirty="0" err="1"/>
+              <a:t>f.readlines</a:t>
+            </a:r>
+            <a:r>
+              <a:rPr lang="en-US" altLang="ko-KR" sz="900" dirty="0"/>
+              <a:t>()]</a:t>
+            </a:r>
+          </a:p>
+          <a:p>
+            <a:endParaRPr lang="en-US" altLang="ko-KR" sz="900" dirty="0"/>
+          </a:p>
+          <a:p>
+            <a:r>
+              <a:rPr lang="en-US" altLang="ko-KR" sz="900" dirty="0"/>
+              <a:t>class </a:t>
+            </a:r>
+            <a:r>
+              <a:rPr lang="en-US" altLang="ko-KR" sz="900" dirty="0" err="1"/>
+              <a:t>DogSpeciesRecognition</a:t>
+            </a:r>
+            <a:r>
+              <a:rPr lang="en-US" altLang="ko-KR" sz="900" dirty="0"/>
+              <a:t>(</a:t>
+            </a:r>
+            <a:r>
+              <a:rPr lang="en-US" altLang="ko-KR" sz="900" dirty="0" err="1"/>
+              <a:t>QMainWindow</a:t>
+            </a:r>
+            <a:r>
+              <a:rPr lang="en-US" altLang="ko-KR" sz="900" dirty="0"/>
+              <a:t>):</a:t>
+            </a:r>
+          </a:p>
+          <a:p>
+            <a:r>
+              <a:rPr lang="en-US" altLang="ko-KR" sz="900" dirty="0"/>
+              <a:t>    def __</a:t>
+            </a:r>
+            <a:r>
+              <a:rPr lang="en-US" altLang="ko-KR" sz="900" dirty="0" err="1"/>
+              <a:t>init</a:t>
+            </a:r>
+            <a:r>
+              <a:rPr lang="en-US" altLang="ko-KR" sz="900" dirty="0"/>
+              <a:t>__(self):</a:t>
+            </a:r>
+          </a:p>
+          <a:p>
+            <a:r>
+              <a:rPr lang="en-US" altLang="ko-KR" sz="900" dirty="0"/>
+              <a:t>        super().__</a:t>
+            </a:r>
+            <a:r>
+              <a:rPr lang="en-US" altLang="ko-KR" sz="900" dirty="0" err="1"/>
+              <a:t>init</a:t>
+            </a:r>
+            <a:r>
+              <a:rPr lang="en-US" altLang="ko-KR" sz="900" dirty="0"/>
+              <a:t>__()</a:t>
+            </a:r>
+          </a:p>
+          <a:p>
+            <a:r>
+              <a:rPr lang="en-US" altLang="ko-KR" sz="900" dirty="0"/>
+              <a:t>        </a:t>
+            </a:r>
+            <a:r>
+              <a:rPr lang="en-US" altLang="ko-KR" sz="900" dirty="0" err="1"/>
+              <a:t>self.setWindowTitle</a:t>
+            </a:r>
+            <a:r>
+              <a:rPr lang="en-US" altLang="ko-KR" sz="900" dirty="0"/>
+              <a:t>('</a:t>
+            </a:r>
+            <a:r>
+              <a:rPr lang="ko-KR" altLang="en-US" sz="900" dirty="0" err="1"/>
               <a:t>견종</a:t>
             </a:r>
             <a:r>
-              <a:rPr lang="ko-KR" altLang="en-US" sz="1000" dirty="0"/>
-              <a:t> 이름 리스트 불러오기 </a:t>
-            </a:r>
-            <a:r>
-              <a:rPr lang="en-US" altLang="ko-KR" sz="1000" dirty="0"/>
+              <a:rPr lang="ko-KR" altLang="en-US" sz="900" dirty="0"/>
+              <a:t> 인식 프로그램</a:t>
+            </a:r>
+            <a:r>
+              <a:rPr lang="en-US" altLang="ko-KR" sz="900" dirty="0"/>
+              <a:t>')</a:t>
+            </a:r>
+          </a:p>
+          <a:p>
+            <a:r>
+              <a:rPr lang="en-US" altLang="ko-KR" sz="900" dirty="0"/>
+              <a:t>        </a:t>
+            </a:r>
+            <a:r>
+              <a:rPr lang="en-US" altLang="ko-KR" sz="900" dirty="0" err="1"/>
+              <a:t>self.setGeometry</a:t>
+            </a:r>
+            <a:r>
+              <a:rPr lang="en-US" altLang="ko-KR" sz="900" dirty="0"/>
+              <a:t>(200, 200, 800, 600)</a:t>
+            </a:r>
+          </a:p>
+          <a:p>
+            <a:r>
+              <a:rPr lang="en-US" altLang="ko-KR" sz="900" dirty="0"/>
+              <a:t>        </a:t>
+            </a:r>
+            <a:r>
+              <a:rPr lang="en-US" altLang="ko-KR" sz="900" dirty="0" err="1"/>
+              <a:t>self.img</a:t>
+            </a:r>
+            <a:r>
+              <a:rPr lang="en-US" altLang="ko-KR" sz="900" dirty="0"/>
+              <a:t> = None</a:t>
+            </a:r>
+          </a:p>
+          <a:p>
+            <a:endParaRPr lang="en-US" altLang="ko-KR" sz="900" dirty="0"/>
+          </a:p>
+          <a:p>
+            <a:r>
+              <a:rPr lang="en-US" altLang="ko-KR" sz="900" dirty="0"/>
+              <a:t>        # 2. </a:t>
+            </a:r>
+            <a:r>
+              <a:rPr lang="ko-KR" altLang="en-US" sz="900" dirty="0"/>
+              <a:t>버튼 구성</a:t>
+            </a:r>
+          </a:p>
+          <a:p>
+            <a:r>
+              <a:rPr lang="ko-KR" altLang="en-US" sz="900" dirty="0"/>
+              <a:t>        </a:t>
+            </a:r>
+            <a:r>
+              <a:rPr lang="en-US" altLang="ko-KR" sz="900" dirty="0" err="1"/>
+              <a:t>fileButton</a:t>
+            </a:r>
+            <a:r>
+              <a:rPr lang="en-US" altLang="ko-KR" sz="900" dirty="0"/>
+              <a:t> = </a:t>
+            </a:r>
+            <a:r>
+              <a:rPr lang="en-US" altLang="ko-KR" sz="900" dirty="0" err="1"/>
+              <a:t>QPushButton</a:t>
+            </a:r>
+            <a:r>
+              <a:rPr lang="en-US" altLang="ko-KR" sz="900" dirty="0"/>
+              <a:t>('</a:t>
+            </a:r>
+            <a:r>
+              <a:rPr lang="ko-KR" altLang="en-US" sz="900" dirty="0"/>
+              <a:t>강아지 사진 열기</a:t>
+            </a:r>
+            <a:r>
+              <a:rPr lang="en-US" altLang="ko-KR" sz="900" dirty="0"/>
+              <a:t>', self)</a:t>
+            </a:r>
+          </a:p>
+          <a:p>
+            <a:r>
+              <a:rPr lang="en-US" altLang="ko-KR" sz="900" dirty="0"/>
+              <a:t>        </a:t>
+            </a:r>
+            <a:r>
+              <a:rPr lang="en-US" altLang="ko-KR" sz="900" dirty="0" err="1"/>
+              <a:t>recognitionButton</a:t>
+            </a:r>
+            <a:r>
+              <a:rPr lang="en-US" altLang="ko-KR" sz="900" dirty="0"/>
+              <a:t> = </a:t>
+            </a:r>
+            <a:r>
+              <a:rPr lang="en-US" altLang="ko-KR" sz="900" dirty="0" err="1"/>
+              <a:t>QPushButton</a:t>
+            </a:r>
+            <a:r>
+              <a:rPr lang="en-US" altLang="ko-KR" sz="900" dirty="0"/>
+              <a:t>('</a:t>
+            </a:r>
+            <a:r>
+              <a:rPr lang="ko-KR" altLang="en-US" sz="900" dirty="0"/>
+              <a:t>품종 인식</a:t>
+            </a:r>
+            <a:r>
+              <a:rPr lang="en-US" altLang="ko-KR" sz="900" dirty="0"/>
+              <a:t>', self)</a:t>
+            </a:r>
+          </a:p>
+          <a:p>
+            <a:r>
+              <a:rPr lang="en-US" altLang="ko-KR" sz="900" dirty="0"/>
+              <a:t>        </a:t>
+            </a:r>
+            <a:r>
+              <a:rPr lang="en-US" altLang="ko-KR" sz="900" dirty="0" err="1"/>
+              <a:t>quitButton</a:t>
+            </a:r>
+            <a:r>
+              <a:rPr lang="en-US" altLang="ko-KR" sz="900" dirty="0"/>
+              <a:t> = </a:t>
+            </a:r>
+            <a:r>
+              <a:rPr lang="en-US" altLang="ko-KR" sz="900" dirty="0" err="1"/>
+              <a:t>QPushButton</a:t>
+            </a:r>
+            <a:r>
+              <a:rPr lang="en-US" altLang="ko-KR" sz="900" dirty="0"/>
+              <a:t>('</a:t>
+            </a:r>
+            <a:r>
+              <a:rPr lang="ko-KR" altLang="en-US" sz="900" dirty="0"/>
+              <a:t>나가기</a:t>
+            </a:r>
+            <a:r>
+              <a:rPr lang="en-US" altLang="ko-KR" sz="900" dirty="0"/>
+              <a:t>', self)</a:t>
+            </a:r>
+          </a:p>
+          <a:p>
+            <a:endParaRPr lang="en-US" altLang="ko-KR" sz="900" dirty="0"/>
+          </a:p>
+          <a:p>
+            <a:r>
+              <a:rPr lang="en-US" altLang="ko-KR" sz="900" dirty="0"/>
+              <a:t>        </a:t>
+            </a:r>
+            <a:r>
+              <a:rPr lang="en-US" altLang="ko-KR" sz="900" dirty="0" err="1"/>
+              <a:t>fileButton.setGeometry</a:t>
+            </a:r>
+            <a:r>
+              <a:rPr lang="en-US" altLang="ko-KR" sz="900" dirty="0"/>
+              <a:t>(10, 10, 150, 30)</a:t>
+            </a:r>
+          </a:p>
+          <a:p>
+            <a:r>
+              <a:rPr lang="en-US" altLang="ko-KR" sz="900" dirty="0"/>
+              <a:t>        </a:t>
+            </a:r>
+            <a:r>
+              <a:rPr lang="en-US" altLang="ko-KR" sz="900" dirty="0" err="1"/>
+              <a:t>recognitionButton.setGeometry</a:t>
+            </a:r>
+            <a:r>
+              <a:rPr lang="en-US" altLang="ko-KR" sz="900" dirty="0"/>
+              <a:t>(170, 10, 150, 30)</a:t>
+            </a:r>
+          </a:p>
+          <a:p>
+            <a:r>
+              <a:rPr lang="en-US" altLang="ko-KR" sz="900" dirty="0"/>
+              <a:t>        </a:t>
+            </a:r>
+            <a:r>
+              <a:rPr lang="en-US" altLang="ko-KR" sz="900" dirty="0" err="1"/>
+              <a:t>quitButton.setGeometry</a:t>
+            </a:r>
+            <a:r>
+              <a:rPr lang="en-US" altLang="ko-KR" sz="900" dirty="0"/>
+              <a:t>(650, 10, 100, 30)</a:t>
+            </a:r>
+          </a:p>
+          <a:p>
+            <a:endParaRPr lang="en-US" altLang="ko-KR" sz="900" dirty="0"/>
+          </a:p>
+          <a:p>
+            <a:r>
+              <a:rPr lang="en-US" altLang="ko-KR" sz="900" dirty="0"/>
+              <a:t>        </a:t>
+            </a:r>
+            <a:r>
+              <a:rPr lang="en-US" altLang="ko-KR" sz="900" dirty="0" err="1"/>
+              <a:t>fileButton.clicked.connect</a:t>
+            </a:r>
+            <a:r>
+              <a:rPr lang="en-US" altLang="ko-KR" sz="900" dirty="0"/>
               <a:t>(</a:t>
             </a:r>
             <a:r>
-              <a:rPr lang="ko-KR" altLang="en-US" sz="1000" dirty="0"/>
-              <a:t>반드시 </a:t>
-            </a:r>
-            <a:r>
-              <a:rPr lang="en-US" altLang="ko-KR" sz="1000" dirty="0"/>
-              <a:t>'</a:t>
-            </a:r>
-            <a:r>
-              <a:rPr lang="en-US" altLang="ko-KR" sz="1000" dirty="0" err="1"/>
-              <a:t>rb</a:t>
-            </a:r>
-            <a:r>
-              <a:rPr lang="en-US" altLang="ko-KR" sz="1000" dirty="0"/>
-              <a:t>' </a:t>
-            </a:r>
-            <a:r>
-              <a:rPr lang="ko-KR" altLang="en-US" sz="1000" dirty="0"/>
-              <a:t>모드</a:t>
-            </a:r>
-            <a:r>
-              <a:rPr lang="en-US" altLang="ko-KR" sz="1000" dirty="0"/>
+              <a:rPr lang="en-US" altLang="ko-KR" sz="900" dirty="0" err="1"/>
+              <a:t>self.pictureOpenFunction</a:t>
+            </a:r>
+            <a:r>
+              <a:rPr lang="en-US" altLang="ko-KR" sz="900" dirty="0"/>
               <a:t>)</a:t>
             </a:r>
           </a:p>
           <a:p>
             <a:r>
-              <a:rPr lang="en-US" altLang="ko-KR" sz="1000" dirty="0"/>
-              <a:t>with open('</a:t>
-            </a:r>
-            <a:r>
-              <a:rPr lang="en-US" altLang="ko-KR" sz="1000" dirty="0" err="1"/>
-              <a:t>dog_species_names_transfer.pkl</a:t>
-            </a:r>
-            <a:r>
-              <a:rPr lang="en-US" altLang="ko-KR" sz="1000" dirty="0"/>
-              <a:t>', '</a:t>
-            </a:r>
-            <a:r>
-              <a:rPr lang="en-US" altLang="ko-KR" sz="1000" dirty="0" err="1"/>
-              <a:t>rb</a:t>
-            </a:r>
-            <a:r>
-              <a:rPr lang="en-US" altLang="ko-KR" sz="1000" dirty="0"/>
-              <a:t>') as f:</a:t>
-            </a:r>
-          </a:p>
-          <a:p>
-            <a:r>
-              <a:rPr lang="en-US" altLang="ko-KR" sz="1000" dirty="0"/>
+              <a:rPr lang="en-US" altLang="ko-KR" sz="900" dirty="0"/>
+              <a:t>        </a:t>
+            </a:r>
+            <a:r>
+              <a:rPr lang="en-US" altLang="ko-KR" sz="900" dirty="0" err="1"/>
+              <a:t>recognitionButton.clicked.connect</a:t>
+            </a:r>
+            <a:r>
+              <a:rPr lang="en-US" altLang="ko-KR" sz="900" dirty="0"/>
+              <a:t>(</a:t>
+            </a:r>
+            <a:r>
+              <a:rPr lang="en-US" altLang="ko-KR" sz="900" dirty="0" err="1"/>
+              <a:t>self.recognitionFunction</a:t>
+            </a:r>
+            <a:r>
+              <a:rPr lang="en-US" altLang="ko-KR" sz="900" dirty="0"/>
+              <a:t>)</a:t>
+            </a:r>
+          </a:p>
+          <a:p>
+            <a:r>
+              <a:rPr lang="en-US" altLang="ko-KR" sz="900" dirty="0"/>
+              <a:t>        </a:t>
+            </a:r>
+            <a:r>
+              <a:rPr lang="en-US" altLang="ko-KR" sz="900" dirty="0" err="1"/>
+              <a:t>quitButton.clicked.connect</a:t>
+            </a:r>
+            <a:r>
+              <a:rPr lang="en-US" altLang="ko-KR" sz="900" dirty="0"/>
+              <a:t>(</a:t>
+            </a:r>
+            <a:r>
+              <a:rPr lang="en-US" altLang="ko-KR" sz="900" dirty="0" err="1"/>
+              <a:t>self.quitFunction</a:t>
+            </a:r>
+            <a:r>
+              <a:rPr lang="en-US" altLang="ko-KR" sz="900" dirty="0"/>
+              <a:t>)</a:t>
+            </a:r>
+          </a:p>
+          <a:p>
+            <a:endParaRPr lang="en-US" altLang="ko-KR" sz="900" dirty="0"/>
+          </a:p>
+          <a:p>
+            <a:r>
+              <a:rPr lang="en-US" altLang="ko-KR" sz="900" dirty="0"/>
+              <a:t>        # 3. </a:t>
+            </a:r>
+            <a:r>
+              <a:rPr lang="ko-KR" altLang="en-US" sz="900" dirty="0"/>
+              <a:t>이미지 출력</a:t>
+            </a:r>
+          </a:p>
+          <a:p>
+            <a:r>
+              <a:rPr lang="ko-KR" altLang="en-US" sz="900" dirty="0"/>
+              <a:t>        </a:t>
+            </a:r>
+            <a:r>
+              <a:rPr lang="en-US" altLang="ko-KR" sz="900" dirty="0" err="1"/>
+              <a:t>self.label</a:t>
+            </a:r>
+            <a:r>
+              <a:rPr lang="en-US" altLang="ko-KR" sz="900" dirty="0"/>
+              <a:t> = </a:t>
+            </a:r>
+            <a:r>
+              <a:rPr lang="en-US" altLang="ko-KR" sz="900" dirty="0" err="1"/>
+              <a:t>QLabel</a:t>
+            </a:r>
+            <a:r>
+              <a:rPr lang="en-US" altLang="ko-KR" sz="900" dirty="0"/>
+              <a:t>(self)</a:t>
+            </a:r>
+          </a:p>
+          <a:p>
+            <a:r>
+              <a:rPr lang="en-US" altLang="ko-KR" sz="900" dirty="0"/>
+              <a:t>        </a:t>
+            </a:r>
+            <a:r>
+              <a:rPr lang="en-US" altLang="ko-KR" sz="900" dirty="0" err="1"/>
+              <a:t>self.label.setGeometry</a:t>
+            </a:r>
+            <a:r>
+              <a:rPr lang="en-US" altLang="ko-KR" sz="900" dirty="0"/>
+              <a:t>(10, 50, 780, 540)</a:t>
+            </a:r>
+          </a:p>
+          <a:p>
+            <a:r>
+              <a:rPr lang="en-US" altLang="ko-KR" sz="900" dirty="0"/>
+              <a:t>        </a:t>
+            </a:r>
+            <a:r>
+              <a:rPr lang="en-US" altLang="ko-KR" sz="900" dirty="0" err="1"/>
+              <a:t>self.label.setAlignment</a:t>
+            </a:r>
+            <a:r>
+              <a:rPr lang="en-US" altLang="ko-KR" sz="900" dirty="0"/>
+              <a:t>(</a:t>
+            </a:r>
+            <a:r>
+              <a:rPr lang="en-US" altLang="ko-KR" sz="900" dirty="0" err="1"/>
+              <a:t>Qt.AlignCenter</a:t>
+            </a:r>
+            <a:r>
+              <a:rPr lang="en-US" altLang="ko-KR" sz="900" dirty="0"/>
+              <a:t>)</a:t>
+            </a:r>
+          </a:p>
+          <a:p>
+            <a:endParaRPr lang="en-US" altLang="ko-KR" sz="900" dirty="0"/>
+          </a:p>
+          <a:p>
+            <a:r>
+              <a:rPr lang="en-US" altLang="ko-KR" sz="900" dirty="0"/>
               <a:t>    </a:t>
             </a:r>
-            <a:r>
-              <a:rPr lang="en-US" altLang="ko-KR" sz="1000" dirty="0" err="1"/>
-              <a:t>dog_species</a:t>
-            </a:r>
-            <a:r>
-              <a:rPr lang="en-US" altLang="ko-KR" sz="1000" dirty="0"/>
-              <a:t> = </a:t>
-            </a:r>
-            <a:r>
-              <a:rPr lang="en-US" altLang="ko-KR" sz="1000" dirty="0" err="1"/>
-              <a:t>pickle.load</a:t>
-            </a:r>
-            <a:r>
-              <a:rPr lang="en-US" altLang="ko-KR" sz="1000" dirty="0"/>
-              <a:t>(f)</a:t>
-            </a:r>
-          </a:p>
-          <a:p>
-            <a:endParaRPr lang="en-US" altLang="ko-KR" sz="1000" dirty="0"/>
-          </a:p>
-          <a:p>
-            <a:r>
-              <a:rPr lang="en-US" altLang="ko-KR" sz="1000" dirty="0"/>
-              <a:t>class </a:t>
-            </a:r>
-            <a:r>
-              <a:rPr lang="en-US" altLang="ko-KR" sz="1000" dirty="0" err="1"/>
-              <a:t>DogSpeciesRecognition</a:t>
-            </a:r>
-            <a:r>
-              <a:rPr lang="en-US" altLang="ko-KR" sz="1000" dirty="0"/>
-              <a:t>(</a:t>
-            </a:r>
-            <a:r>
-              <a:rPr lang="en-US" altLang="ko-KR" sz="1000" dirty="0" err="1"/>
-              <a:t>QMainWindow</a:t>
-            </a:r>
-            <a:r>
-              <a:rPr lang="en-US" altLang="ko-KR" sz="1000" dirty="0"/>
-              <a:t>):</a:t>
-            </a:r>
-          </a:p>
-          <a:p>
-            <a:r>
-              <a:rPr lang="en-US" altLang="ko-KR" sz="1000" dirty="0"/>
-              <a:t>    def __</a:t>
-            </a:r>
-            <a:r>
-              <a:rPr lang="en-US" altLang="ko-KR" sz="1000" dirty="0" err="1"/>
-              <a:t>init</a:t>
-            </a:r>
-            <a:r>
-              <a:rPr lang="en-US" altLang="ko-KR" sz="1000" dirty="0"/>
-              <a:t>__(self):</a:t>
-            </a:r>
-          </a:p>
-          <a:p>
-            <a:r>
-              <a:rPr lang="en-US" altLang="ko-KR" sz="1000" dirty="0"/>
-              <a:t>        super().__</a:t>
-            </a:r>
-            <a:r>
-              <a:rPr lang="en-US" altLang="ko-KR" sz="1000" dirty="0" err="1"/>
-              <a:t>init</a:t>
-            </a:r>
-            <a:r>
-              <a:rPr lang="en-US" altLang="ko-KR" sz="1000" dirty="0"/>
-              <a:t>__()</a:t>
-            </a:r>
-          </a:p>
-          <a:p>
-            <a:r>
-              <a:rPr lang="en-US" altLang="ko-KR" sz="1000" dirty="0"/>
-              <a:t>        </a:t>
-            </a:r>
-            <a:r>
-              <a:rPr lang="en-US" altLang="ko-KR" sz="1000" dirty="0" err="1"/>
-              <a:t>self.setWindowTitle</a:t>
-            </a:r>
-            <a:r>
-              <a:rPr lang="en-US" altLang="ko-KR" sz="1000" dirty="0"/>
-              <a:t>('</a:t>
-            </a:r>
-            <a:r>
-              <a:rPr lang="ko-KR" altLang="en-US" sz="1000" dirty="0" err="1"/>
-              <a:t>견종</a:t>
-            </a:r>
-            <a:r>
-              <a:rPr lang="ko-KR" altLang="en-US" sz="1000" dirty="0"/>
-              <a:t> 인식 프로그램</a:t>
-            </a:r>
-            <a:r>
-              <a:rPr lang="en-US" altLang="ko-KR" sz="1000" dirty="0"/>
-              <a:t>')</a:t>
-            </a:r>
-          </a:p>
-          <a:p>
-            <a:r>
-              <a:rPr lang="en-US" altLang="ko-KR" sz="1000" dirty="0"/>
-              <a:t>        </a:t>
-            </a:r>
-            <a:r>
-              <a:rPr lang="en-US" altLang="ko-KR" sz="1000" dirty="0" err="1"/>
-              <a:t>self.setGeometry</a:t>
-            </a:r>
-            <a:r>
-              <a:rPr lang="en-US" altLang="ko-KR" sz="1000" dirty="0"/>
-              <a:t>(200, 200, 800, 600)</a:t>
-            </a:r>
-          </a:p>
-          <a:p>
-            <a:r>
-              <a:rPr lang="en-US" altLang="ko-KR" sz="1000" dirty="0"/>
-              <a:t>        </a:t>
-            </a:r>
-            <a:r>
-              <a:rPr lang="en-US" altLang="ko-KR" sz="1000" dirty="0" err="1"/>
-              <a:t>self.img</a:t>
-            </a:r>
-            <a:r>
-              <a:rPr lang="en-US" altLang="ko-KR" sz="1000" dirty="0"/>
-              <a:t> = None  # </a:t>
-            </a:r>
-            <a:r>
-              <a:rPr lang="ko-KR" altLang="en-US" sz="1000" dirty="0"/>
-              <a:t>이미지 초기화</a:t>
-            </a:r>
-          </a:p>
-          <a:p>
-            <a:endParaRPr lang="ko-KR" altLang="en-US" sz="1000" dirty="0"/>
-          </a:p>
-          <a:p>
-            <a:r>
-              <a:rPr lang="ko-KR" altLang="en-US" sz="1000" dirty="0"/>
-              <a:t>        </a:t>
-            </a:r>
-            <a:r>
-              <a:rPr lang="en-US" altLang="ko-KR" sz="1000" dirty="0"/>
-              <a:t># </a:t>
-            </a:r>
-            <a:r>
-              <a:rPr lang="ko-KR" altLang="en-US" sz="1000" dirty="0"/>
-              <a:t>✅ </a:t>
-            </a:r>
-            <a:r>
-              <a:rPr lang="en-US" altLang="ko-KR" sz="1000" dirty="0"/>
-              <a:t>2. </a:t>
-            </a:r>
-            <a:r>
-              <a:rPr lang="ko-KR" altLang="en-US" sz="1000" dirty="0"/>
-              <a:t>버튼 구성</a:t>
-            </a:r>
-          </a:p>
-          <a:p>
-            <a:r>
-              <a:rPr lang="ko-KR" altLang="en-US" sz="1000" dirty="0"/>
-              <a:t>        </a:t>
-            </a:r>
-            <a:r>
-              <a:rPr lang="en-US" altLang="ko-KR" sz="1000" dirty="0" err="1"/>
-              <a:t>fileButton</a:t>
-            </a:r>
-            <a:r>
-              <a:rPr lang="en-US" altLang="ko-KR" sz="1000" dirty="0"/>
-              <a:t> = </a:t>
-            </a:r>
-            <a:r>
-              <a:rPr lang="en-US" altLang="ko-KR" sz="1000" dirty="0" err="1"/>
-              <a:t>QPushButton</a:t>
-            </a:r>
-            <a:r>
-              <a:rPr lang="en-US" altLang="ko-KR" sz="1000" dirty="0"/>
-              <a:t>('</a:t>
-            </a:r>
-            <a:r>
-              <a:rPr lang="ko-KR" altLang="en-US" sz="1000" dirty="0"/>
-              <a:t>강아지 사진 열기</a:t>
-            </a:r>
-            <a:r>
-              <a:rPr lang="en-US" altLang="ko-KR" sz="1000" dirty="0"/>
-              <a:t>', self)</a:t>
-            </a:r>
-          </a:p>
-          <a:p>
-            <a:r>
-              <a:rPr lang="en-US" altLang="ko-KR" sz="1000" dirty="0"/>
-              <a:t>        </a:t>
-            </a:r>
-            <a:r>
-              <a:rPr lang="en-US" altLang="ko-KR" sz="1000" dirty="0" err="1"/>
-              <a:t>recognitionButton</a:t>
-            </a:r>
-            <a:r>
-              <a:rPr lang="en-US" altLang="ko-KR" sz="1000" dirty="0"/>
-              <a:t> = </a:t>
-            </a:r>
-            <a:r>
-              <a:rPr lang="en-US" altLang="ko-KR" sz="1000" dirty="0" err="1"/>
-              <a:t>QPushButton</a:t>
-            </a:r>
-            <a:r>
-              <a:rPr lang="en-US" altLang="ko-KR" sz="1000" dirty="0"/>
-              <a:t>('</a:t>
-            </a:r>
-            <a:r>
-              <a:rPr lang="ko-KR" altLang="en-US" sz="1000" dirty="0"/>
-              <a:t>품종 인식</a:t>
-            </a:r>
-            <a:r>
-              <a:rPr lang="en-US" altLang="ko-KR" sz="1000" dirty="0"/>
-              <a:t>', self)</a:t>
-            </a:r>
-          </a:p>
-          <a:p>
-            <a:r>
-              <a:rPr lang="en-US" altLang="ko-KR" sz="1000" dirty="0"/>
-              <a:t>        </a:t>
-            </a:r>
-            <a:r>
-              <a:rPr lang="en-US" altLang="ko-KR" sz="1000" dirty="0" err="1"/>
-              <a:t>quitButton</a:t>
-            </a:r>
-            <a:r>
-              <a:rPr lang="en-US" altLang="ko-KR" sz="1000" dirty="0"/>
-              <a:t> = </a:t>
-            </a:r>
-            <a:r>
-              <a:rPr lang="en-US" altLang="ko-KR" sz="1000" dirty="0" err="1"/>
-              <a:t>QPushButton</a:t>
-            </a:r>
-            <a:r>
-              <a:rPr lang="en-US" altLang="ko-KR" sz="1000" dirty="0"/>
-              <a:t>('</a:t>
-            </a:r>
-            <a:r>
-              <a:rPr lang="ko-KR" altLang="en-US" sz="1000" dirty="0"/>
-              <a:t>나가기</a:t>
-            </a:r>
-            <a:r>
-              <a:rPr lang="en-US" altLang="ko-KR" sz="1000" dirty="0"/>
-              <a:t>', self)</a:t>
-            </a:r>
-          </a:p>
-          <a:p>
-            <a:endParaRPr lang="en-US" altLang="ko-KR" sz="1000" dirty="0"/>
-          </a:p>
-          <a:p>
-            <a:r>
-              <a:rPr lang="en-US" altLang="ko-KR" sz="1000" dirty="0"/>
-              <a:t>        </a:t>
-            </a:r>
-            <a:r>
-              <a:rPr lang="en-US" altLang="ko-KR" sz="1000" dirty="0" err="1"/>
-              <a:t>fileButton.setGeometry</a:t>
-            </a:r>
-            <a:r>
-              <a:rPr lang="en-US" altLang="ko-KR" sz="1000" dirty="0"/>
-              <a:t>(10, 10, 150, 30)</a:t>
-            </a:r>
-          </a:p>
-          <a:p>
-            <a:r>
-              <a:rPr lang="en-US" altLang="ko-KR" sz="1000" dirty="0"/>
-              <a:t>        </a:t>
-            </a:r>
-            <a:r>
-              <a:rPr lang="en-US" altLang="ko-KR" sz="1000" dirty="0" err="1"/>
-              <a:t>recognitionButton.setGeometry</a:t>
-            </a:r>
-            <a:r>
-              <a:rPr lang="en-US" altLang="ko-KR" sz="1000" dirty="0"/>
-              <a:t>(170, 10, 150, 30)</a:t>
-            </a:r>
-          </a:p>
-          <a:p>
-            <a:r>
-              <a:rPr lang="en-US" altLang="ko-KR" sz="1000" dirty="0"/>
-              <a:t>        </a:t>
-            </a:r>
-            <a:r>
-              <a:rPr lang="en-US" altLang="ko-KR" sz="1000" dirty="0" err="1"/>
-              <a:t>quitButton.setGeometry</a:t>
-            </a:r>
-            <a:r>
-              <a:rPr lang="en-US" altLang="ko-KR" sz="1000" dirty="0"/>
-              <a:t>(650, 10, 100, 30)</a:t>
-            </a:r>
-          </a:p>
-          <a:p>
-            <a:endParaRPr lang="en-US" altLang="ko-KR" sz="1000" dirty="0"/>
-          </a:p>
-          <a:p>
-            <a:r>
-              <a:rPr lang="en-US" altLang="ko-KR" sz="1000" dirty="0"/>
-              <a:t>        </a:t>
-            </a:r>
-            <a:r>
-              <a:rPr lang="en-US" altLang="ko-KR" sz="1000" dirty="0" err="1"/>
-              <a:t>fileButton.clicked.connect</a:t>
-            </a:r>
-            <a:r>
-              <a:rPr lang="en-US" altLang="ko-KR" sz="1000" dirty="0"/>
-              <a:t>(</a:t>
-            </a:r>
-            <a:r>
-              <a:rPr lang="en-US" altLang="ko-KR" sz="1000" dirty="0" err="1"/>
-              <a:t>self.pictureOpenFunction</a:t>
-            </a:r>
-            <a:r>
-              <a:rPr lang="en-US" altLang="ko-KR" sz="1000" dirty="0"/>
-              <a:t>)</a:t>
-            </a:r>
-          </a:p>
-          <a:p>
-            <a:r>
-              <a:rPr lang="en-US" altLang="ko-KR" sz="1000" dirty="0"/>
-              <a:t>        </a:t>
-            </a:r>
-            <a:r>
-              <a:rPr lang="en-US" altLang="ko-KR" sz="1000" dirty="0" err="1"/>
-              <a:t>recognitionButton.clicked.connect</a:t>
-            </a:r>
-            <a:r>
-              <a:rPr lang="en-US" altLang="ko-KR" sz="1000" dirty="0"/>
-              <a:t>(</a:t>
-            </a:r>
-            <a:r>
-              <a:rPr lang="en-US" altLang="ko-KR" sz="1000" dirty="0" err="1"/>
-              <a:t>self.recognitionFunction</a:t>
-            </a:r>
-            <a:r>
-              <a:rPr lang="en-US" altLang="ko-KR" sz="1000" dirty="0"/>
-              <a:t>)</a:t>
-            </a:r>
-          </a:p>
-          <a:p>
-            <a:r>
-              <a:rPr lang="en-US" altLang="ko-KR" sz="1000" dirty="0"/>
-              <a:t>        </a:t>
-            </a:r>
-            <a:r>
-              <a:rPr lang="en-US" altLang="ko-KR" sz="1000" dirty="0" err="1"/>
-              <a:t>quitButton.clicked.connect</a:t>
-            </a:r>
-            <a:r>
-              <a:rPr lang="en-US" altLang="ko-KR" sz="1000" dirty="0"/>
-              <a:t>(</a:t>
-            </a:r>
-            <a:r>
-              <a:rPr lang="en-US" altLang="ko-KR" sz="1000" dirty="0" err="1"/>
-              <a:t>self.quitFunction</a:t>
-            </a:r>
-            <a:r>
-              <a:rPr lang="en-US" altLang="ko-KR" sz="1000" dirty="0"/>
-              <a:t>)</a:t>
-            </a:r>
-          </a:p>
-          <a:p>
-            <a:endParaRPr lang="en-US" altLang="ko-KR" sz="1000" dirty="0"/>
-          </a:p>
-          <a:p>
-            <a:r>
-              <a:rPr lang="en-US" altLang="ko-KR" sz="1000" dirty="0"/>
-              <a:t>        # </a:t>
-            </a:r>
-            <a:r>
-              <a:rPr lang="ko-KR" altLang="en-US" sz="1000" dirty="0"/>
-              <a:t>✅ </a:t>
-            </a:r>
-            <a:r>
-              <a:rPr lang="en-US" altLang="ko-KR" sz="1000" dirty="0"/>
-              <a:t>3. </a:t>
-            </a:r>
-            <a:r>
-              <a:rPr lang="ko-KR" altLang="en-US" sz="1000" dirty="0"/>
-              <a:t>이미지 출력 </a:t>
-            </a:r>
-            <a:r>
-              <a:rPr lang="en-US" altLang="ko-KR" sz="1000" dirty="0" err="1"/>
-              <a:t>QLabel</a:t>
-            </a:r>
-            <a:endParaRPr lang="en-US" altLang="ko-KR" sz="1000" dirty="0"/>
-          </a:p>
-          <a:p>
-            <a:r>
-              <a:rPr lang="en-US" altLang="ko-KR" sz="1000" dirty="0"/>
-              <a:t>        </a:t>
-            </a:r>
-            <a:r>
-              <a:rPr lang="en-US" altLang="ko-KR" sz="1000" dirty="0" err="1"/>
-              <a:t>self.label</a:t>
-            </a:r>
-            <a:r>
-              <a:rPr lang="en-US" altLang="ko-KR" sz="1000" dirty="0"/>
-              <a:t> = </a:t>
-            </a:r>
-            <a:r>
-              <a:rPr lang="en-US" altLang="ko-KR" sz="1000" dirty="0" err="1"/>
-              <a:t>QLabel</a:t>
-            </a:r>
-            <a:r>
-              <a:rPr lang="en-US" altLang="ko-KR" sz="1000" dirty="0"/>
-              <a:t>(self)</a:t>
-            </a:r>
-          </a:p>
-          <a:p>
-            <a:r>
-              <a:rPr lang="en-US" altLang="ko-KR" sz="1000" dirty="0"/>
-              <a:t>        </a:t>
-            </a:r>
-            <a:r>
-              <a:rPr lang="en-US" altLang="ko-KR" sz="1000" dirty="0" err="1"/>
-              <a:t>self.label.setGeometry</a:t>
-            </a:r>
-            <a:r>
-              <a:rPr lang="en-US" altLang="ko-KR" sz="1000" dirty="0"/>
-              <a:t>(10, 50, 780, 540)</a:t>
-            </a:r>
-          </a:p>
-          <a:p>
-            <a:r>
-              <a:rPr lang="en-US" altLang="ko-KR" sz="1000" dirty="0"/>
-              <a:t>        </a:t>
-            </a:r>
-            <a:r>
-              <a:rPr lang="en-US" altLang="ko-KR" sz="1000" dirty="0" err="1"/>
-              <a:t>self.label.setAlignment</a:t>
-            </a:r>
-            <a:r>
-              <a:rPr lang="en-US" altLang="ko-KR" sz="1000" dirty="0"/>
-              <a:t>(</a:t>
-            </a:r>
-            <a:r>
-              <a:rPr lang="en-US" altLang="ko-KR" sz="1000" dirty="0" err="1"/>
-              <a:t>Qt.AlignCenter</a:t>
-            </a:r>
-            <a:r>
-              <a:rPr lang="en-US" altLang="ko-KR" sz="1000" dirty="0"/>
-              <a:t>)</a:t>
-            </a:r>
-          </a:p>
-          <a:p>
-            <a:endParaRPr lang="en-US" altLang="ko-KR" sz="1000" dirty="0"/>
+            <a:endParaRPr lang="ko-KR" altLang="en-US" sz="900" dirty="0"/>
           </a:p>
         </p:txBody>
       </p:sp>
       <p:sp>
         <p:nvSpPr>
-          <p:cNvPr id="11" name="TextBox 10">
-            <a:extLst>
-              <a:ext uri="{FF2B5EF4-FFF2-40B4-BE49-F238E27FC236}">
-                <a16:creationId xmlns:a16="http://schemas.microsoft.com/office/drawing/2014/main" id="{47065BD4-046C-6C13-7BAA-9AA4B927E6A3}"/>
+          <p:cNvPr id="6" name="TextBox 5">
+            <a:extLst>
+              <a:ext uri="{FF2B5EF4-FFF2-40B4-BE49-F238E27FC236}">
+                <a16:creationId xmlns:a16="http://schemas.microsoft.com/office/drawing/2014/main" id="{48A95A90-2663-8338-24F1-A5BF371B7B3D}"/>
               </a:ext>
             </a:extLst>
           </p:cNvPr>
@@ -5776,8 +5809,8 @@
         </p:nvSpPr>
         <p:spPr>
           <a:xfrm>
-            <a:off x="5762540" y="0"/>
-            <a:ext cx="6096000" cy="6494085"/>
+            <a:off x="5771535" y="0"/>
+            <a:ext cx="6096000" cy="6863417"/>
           </a:xfrm>
           <a:prstGeom prst="rect">
             <a:avLst/>
@@ -5790,12 +5823,9 @@
           </a:bodyPr>
           <a:lstStyle/>
           <a:p>
-            <a:endParaRPr lang="en-US" altLang="ko-KR" sz="800" dirty="0"/>
-          </a:p>
-          <a:p>
-            <a:r>
-              <a:rPr lang="en-US" altLang="ko-KR" sz="800" dirty="0"/>
-              <a:t>    def </a:t>
+            <a:r>
+              <a:rPr lang="en-US" altLang="ko-KR" sz="800" dirty="0"/>
+              <a:t>def </a:t>
             </a:r>
             <a:r>
               <a:rPr lang="en-US" altLang="ko-KR" sz="800" dirty="0" err="1"/>
@@ -6039,15 +6069,7 @@
           <a:p>
             <a:r>
               <a:rPr lang="en-US" altLang="ko-KR" sz="800" dirty="0"/>
-              <a:t>        # </a:t>
-            </a:r>
-            <a:r>
-              <a:rPr lang="ko-KR" altLang="en-US" sz="800" dirty="0"/>
-              <a:t>✅ </a:t>
-            </a:r>
-            <a:r>
-              <a:rPr lang="en-US" altLang="ko-KR" sz="800" dirty="0"/>
-              <a:t>4. </a:t>
+              <a:t>        # 4. </a:t>
             </a:r>
             <a:r>
               <a:rPr lang="ko-KR" altLang="en-US" sz="800" dirty="0"/>
@@ -6089,7 +6111,7 @@
             </a:r>
             <a:r>
               <a:rPr lang="en-US" altLang="ko-KR" sz="800" dirty="0"/>
-              <a:t>, (160, 160))  # MobileNetV2 input shape</a:t>
+              <a:t>, (160, 160))</a:t>
             </a:r>
           </a:p>
           <a:p>
@@ -6133,7 +6155,7 @@
             </a:r>
             <a:r>
               <a:rPr lang="en-US" altLang="ko-KR" sz="800" dirty="0"/>
-              <a:t>, axis=0)  # (1, 160, 160, 3)</a:t>
+              <a:t>, axis=0)</a:t>
             </a:r>
           </a:p>
           <a:p>
@@ -6164,19 +6186,153 @@
             </a:r>
             <a:r>
               <a:rPr lang="en-US" altLang="ko-KR" sz="800" dirty="0"/>
-              <a:t>(-res)[:5]  # </a:t>
+              <a:t>(-res)[:5]</a:t>
+            </a:r>
+          </a:p>
+          <a:p>
+            <a:r>
+              <a:rPr lang="en-US" altLang="ko-KR" sz="800" dirty="0"/>
+              <a:t>        </a:t>
+            </a:r>
+            <a:r>
+              <a:rPr lang="en-US" altLang="ko-KR" sz="800" dirty="0" err="1"/>
+              <a:t>output_img</a:t>
+            </a:r>
+            <a:r>
+              <a:rPr lang="en-US" altLang="ko-KR" sz="800" dirty="0"/>
+              <a:t> = </a:t>
+            </a:r>
+            <a:r>
+              <a:rPr lang="en-US" altLang="ko-KR" sz="800" dirty="0" err="1"/>
+              <a:t>self.img.copy</a:t>
+            </a:r>
+            <a:r>
+              <a:rPr lang="en-US" altLang="ko-KR" sz="800" dirty="0"/>
+              <a:t>()</a:t>
+            </a:r>
+          </a:p>
+          <a:p>
+            <a:endParaRPr lang="en-US" altLang="ko-KR" sz="800" dirty="0"/>
+          </a:p>
+          <a:p>
+            <a:r>
+              <a:rPr lang="en-US" altLang="ko-KR" sz="800" dirty="0"/>
+              <a:t>        for </a:t>
+            </a:r>
+            <a:r>
+              <a:rPr lang="en-US" altLang="ko-KR" sz="800" dirty="0" err="1"/>
+              <a:t>i</a:t>
+            </a:r>
+            <a:r>
+              <a:rPr lang="en-US" altLang="ko-KR" sz="800" dirty="0"/>
+              <a:t>, </a:t>
+            </a:r>
+            <a:r>
+              <a:rPr lang="en-US" altLang="ko-KR" sz="800" dirty="0" err="1"/>
+              <a:t>idx</a:t>
+            </a:r>
+            <a:r>
+              <a:rPr lang="en-US" altLang="ko-KR" sz="800" dirty="0"/>
+              <a:t> in enumerate(top5):</a:t>
+            </a:r>
+          </a:p>
+          <a:p>
+            <a:r>
+              <a:rPr lang="en-US" altLang="ko-KR" sz="800" dirty="0"/>
+              <a:t>            prob = f"{res[</a:t>
+            </a:r>
+            <a:r>
+              <a:rPr lang="en-US" altLang="ko-KR" sz="800" dirty="0" err="1"/>
+              <a:t>idx</a:t>
+            </a:r>
+            <a:r>
+              <a:rPr lang="en-US" altLang="ko-KR" sz="800" dirty="0"/>
+              <a:t>]*100:.2f}%"</a:t>
+            </a:r>
+          </a:p>
+          <a:p>
+            <a:r>
+              <a:rPr lang="en-US" altLang="ko-KR" sz="800" dirty="0"/>
+              <a:t>            name = </a:t>
+            </a:r>
+            <a:r>
+              <a:rPr lang="en-US" altLang="ko-KR" sz="800" dirty="0" err="1"/>
+              <a:t>dog_species</a:t>
+            </a:r>
+            <a:r>
+              <a:rPr lang="en-US" altLang="ko-KR" sz="800" dirty="0"/>
+              <a:t>[</a:t>
+            </a:r>
+            <a:r>
+              <a:rPr lang="en-US" altLang="ko-KR" sz="800" dirty="0" err="1"/>
+              <a:t>idx</a:t>
+            </a:r>
+            <a:r>
+              <a:rPr lang="en-US" altLang="ko-KR" sz="800" dirty="0"/>
+              <a:t>]</a:t>
+            </a:r>
+          </a:p>
+          <a:p>
+            <a:r>
+              <a:rPr lang="en-US" altLang="ko-KR" sz="800" dirty="0"/>
+              <a:t>            text = f"{i+1}. {name}: {prob}"</a:t>
+            </a:r>
+          </a:p>
+          <a:p>
+            <a:r>
+              <a:rPr lang="en-US" altLang="ko-KR" sz="800" dirty="0"/>
+              <a:t>            </a:t>
+            </a:r>
+            <a:r>
+              <a:rPr lang="en-US" altLang="ko-KR" sz="800" dirty="0" err="1"/>
+              <a:t>cv.putText</a:t>
+            </a:r>
+            <a:r>
+              <a:rPr lang="en-US" altLang="ko-KR" sz="800" dirty="0"/>
+              <a:t>(</a:t>
+            </a:r>
+            <a:r>
+              <a:rPr lang="en-US" altLang="ko-KR" sz="800" dirty="0" err="1"/>
+              <a:t>output_img</a:t>
+            </a:r>
+            <a:r>
+              <a:rPr lang="en-US" altLang="ko-KR" sz="800" dirty="0"/>
+              <a:t>, text, (10, 30 + </a:t>
+            </a:r>
+            <a:r>
+              <a:rPr lang="en-US" altLang="ko-KR" sz="800" dirty="0" err="1"/>
+              <a:t>i</a:t>
+            </a:r>
+            <a:r>
+              <a:rPr lang="en-US" altLang="ko-KR" sz="800" dirty="0"/>
+              <a:t> * 30),</a:t>
+            </a:r>
+          </a:p>
+          <a:p>
+            <a:r>
+              <a:rPr lang="en-US" altLang="ko-KR" sz="800" dirty="0"/>
+              <a:t>                       </a:t>
+            </a:r>
+            <a:r>
+              <a:rPr lang="en-US" altLang="ko-KR" sz="800" dirty="0" err="1"/>
+              <a:t>cv.FONT_HERSHEY_SIMPLEX</a:t>
+            </a:r>
+            <a:r>
+              <a:rPr lang="en-US" altLang="ko-KR" sz="800" dirty="0"/>
+              <a:t>, 0.8, (0, 255, 0), 2)</a:t>
+            </a:r>
+          </a:p>
+          <a:p>
+            <a:endParaRPr lang="en-US" altLang="ko-KR" sz="800" dirty="0"/>
+          </a:p>
+          <a:p>
+            <a:r>
+              <a:rPr lang="en-US" altLang="ko-KR" sz="800" dirty="0"/>
+              <a:t>        # 5. </a:t>
             </a:r>
             <a:r>
               <a:rPr lang="ko-KR" altLang="en-US" sz="800" dirty="0"/>
-              <a:t>상위 </a:t>
-            </a:r>
-            <a:r>
-              <a:rPr lang="en-US" altLang="ko-KR" sz="800" dirty="0"/>
-              <a:t>5</a:t>
-            </a:r>
-            <a:r>
-              <a:rPr lang="ko-KR" altLang="en-US" sz="800" dirty="0"/>
-              <a:t>개 인식 결과</a:t>
+              <a:t>결과 이미지 저장</a:t>
             </a:r>
           </a:p>
           <a:p>
@@ -6186,100 +6342,11 @@
             </a:r>
             <a:r>
               <a:rPr lang="en-US" altLang="ko-KR" sz="800" dirty="0" err="1"/>
-              <a:t>output_img</a:t>
-            </a:r>
-            <a:r>
-              <a:rPr lang="en-US" altLang="ko-KR" sz="800" dirty="0"/>
-              <a:t> = </a:t>
-            </a:r>
-            <a:r>
-              <a:rPr lang="en-US" altLang="ko-KR" sz="800" dirty="0" err="1"/>
-              <a:t>self.img.copy</a:t>
-            </a:r>
-            <a:r>
-              <a:rPr lang="en-US" altLang="ko-KR" sz="800" dirty="0"/>
-              <a:t>()</a:t>
-            </a:r>
-          </a:p>
-          <a:p>
-            <a:endParaRPr lang="en-US" altLang="ko-KR" sz="800" dirty="0"/>
-          </a:p>
-          <a:p>
-            <a:r>
-              <a:rPr lang="en-US" altLang="ko-KR" sz="800" dirty="0"/>
-              <a:t>        for </a:t>
-            </a:r>
-            <a:r>
-              <a:rPr lang="en-US" altLang="ko-KR" sz="800" dirty="0" err="1"/>
-              <a:t>i</a:t>
-            </a:r>
-            <a:r>
-              <a:rPr lang="en-US" altLang="ko-KR" sz="800" dirty="0"/>
-              <a:t>, </a:t>
-            </a:r>
-            <a:r>
-              <a:rPr lang="en-US" altLang="ko-KR" sz="800" dirty="0" err="1"/>
-              <a:t>idx</a:t>
-            </a:r>
-            <a:r>
-              <a:rPr lang="en-US" altLang="ko-KR" sz="800" dirty="0"/>
-              <a:t> in enumerate(top5):</a:t>
-            </a:r>
-          </a:p>
-          <a:p>
-            <a:r>
-              <a:rPr lang="en-US" altLang="ko-KR" sz="800" dirty="0"/>
-              <a:t>            prob = f"{res[</a:t>
-            </a:r>
-            <a:r>
-              <a:rPr lang="en-US" altLang="ko-KR" sz="800" dirty="0" err="1"/>
-              <a:t>idx</a:t>
-            </a:r>
-            <a:r>
-              <a:rPr lang="en-US" altLang="ko-KR" sz="800" dirty="0"/>
-              <a:t>]*100:.2f}%"</a:t>
-            </a:r>
-          </a:p>
-          <a:p>
-            <a:r>
-              <a:rPr lang="en-US" altLang="ko-KR" sz="800" dirty="0"/>
-              <a:t>            name = </a:t>
-            </a:r>
-            <a:r>
-              <a:rPr lang="en-US" altLang="ko-KR" sz="800" dirty="0" err="1"/>
-              <a:t>dog_species</a:t>
-            </a:r>
-            <a:r>
-              <a:rPr lang="en-US" altLang="ko-KR" sz="800" dirty="0"/>
-              <a:t>[</a:t>
-            </a:r>
-            <a:r>
-              <a:rPr lang="en-US" altLang="ko-KR" sz="800" dirty="0" err="1"/>
-              <a:t>idx</a:t>
-            </a:r>
-            <a:r>
-              <a:rPr lang="en-US" altLang="ko-KR" sz="800" dirty="0"/>
-              <a:t>]</a:t>
-            </a:r>
-          </a:p>
-          <a:p>
-            <a:r>
-              <a:rPr lang="en-US" altLang="ko-KR" sz="800" dirty="0"/>
-              <a:t>            text = f"{i+1}. {name}: {prob}"</a:t>
-            </a:r>
-          </a:p>
-          <a:p>
-            <a:r>
-              <a:rPr lang="en-US" altLang="ko-KR" sz="800" dirty="0"/>
-              <a:t>            </a:t>
-            </a:r>
-            <a:r>
-              <a:rPr lang="en-US" altLang="ko-KR" sz="800" dirty="0" err="1"/>
-              <a:t>cv.putText</a:t>
-            </a:r>
-            <a:r>
-              <a:rPr lang="en-US" altLang="ko-KR" sz="800" dirty="0"/>
-              <a:t>(</a:t>
+              <a:t>cv.imwrite</a:t>
+            </a:r>
+            <a:r>
+              <a:rPr lang="en-US" altLang="ko-KR" sz="800" dirty="0"/>
+              <a:t>(OUTPUT_IMAGE_PATH, </a:t>
             </a:r>
             <a:r>
               <a:rPr lang="en-US" altLang="ko-KR" sz="800" dirty="0" err="1"/>
@@ -6287,29 +6354,21 @@
             </a:r>
             <a:r>
               <a:rPr lang="en-US" altLang="ko-KR" sz="800" dirty="0"/>
-              <a:t>, text, (10, 30 + </a:t>
-            </a:r>
-            <a:r>
-              <a:rPr lang="en-US" altLang="ko-KR" sz="800" dirty="0" err="1"/>
-              <a:t>i</a:t>
-            </a:r>
-            <a:r>
-              <a:rPr lang="en-US" altLang="ko-KR" sz="800" dirty="0"/>
-              <a:t> * 30),</a:t>
-            </a:r>
-          </a:p>
-          <a:p>
-            <a:r>
-              <a:rPr lang="en-US" altLang="ko-KR" sz="800" dirty="0"/>
-              <a:t>                       </a:t>
-            </a:r>
-            <a:r>
-              <a:rPr lang="en-US" altLang="ko-KR" sz="800" dirty="0" err="1"/>
-              <a:t>cv.FONT_HERSHEY_SIMPLEX</a:t>
-            </a:r>
-            <a:r>
-              <a:rPr lang="en-US" altLang="ko-KR" sz="800" dirty="0"/>
-              <a:t>, 0.8, (0, 255, 0), 2)</a:t>
+              <a:t>)</a:t>
+            </a:r>
+          </a:p>
+          <a:p>
+            <a:r>
+              <a:rPr lang="en-US" altLang="ko-KR" sz="800" dirty="0"/>
+              <a:t>        print(f"</a:t>
+            </a:r>
+            <a:r>
+              <a:rPr lang="ko-KR" altLang="en-US" sz="800" dirty="0"/>
+              <a:t>결과 저장됨</a:t>
+            </a:r>
+            <a:r>
+              <a:rPr lang="en-US" altLang="ko-KR" sz="800" dirty="0"/>
+              <a:t>: {OUTPUT_IMAGE_PATH}")</a:t>
             </a:r>
           </a:p>
           <a:p>
@@ -6348,29 +6407,16 @@
             </a:r>
             <a:r>
               <a:rPr lang="en-US" altLang="ko-KR" sz="800" dirty="0"/>
-              <a:t>(1000, 300)  # </a:t>
-            </a:r>
-            <a:r>
-              <a:rPr lang="ko-KR" altLang="en-US" sz="800" dirty="0"/>
-              <a:t>인식 성공 </a:t>
-            </a:r>
-            <a:r>
-              <a:rPr lang="ko-KR" altLang="en-US" sz="800" dirty="0" err="1"/>
-              <a:t>알림음</a:t>
-            </a:r>
-            <a:endParaRPr lang="ko-KR" altLang="en-US" sz="800" dirty="0"/>
-          </a:p>
-          <a:p>
-            <a:endParaRPr lang="ko-KR" altLang="en-US" sz="800" dirty="0"/>
-          </a:p>
-          <a:p>
-            <a:r>
-              <a:rPr lang="ko-KR" altLang="en-US" sz="800" dirty="0"/>
-              <a:t>    </a:t>
-            </a:r>
-            <a:r>
-              <a:rPr lang="en-US" altLang="ko-KR" sz="800" dirty="0"/>
-              <a:t>def </a:t>
+              <a:t>(1000, 300)</a:t>
+            </a:r>
+          </a:p>
+          <a:p>
+            <a:endParaRPr lang="en-US" altLang="ko-KR" sz="800" dirty="0"/>
+          </a:p>
+          <a:p>
+            <a:r>
+              <a:rPr lang="en-US" altLang="ko-KR" sz="800" dirty="0"/>
+              <a:t>    def </a:t>
             </a:r>
             <a:r>
               <a:rPr lang="en-US" altLang="ko-KR" sz="800" dirty="0" err="1"/>
@@ -6611,15 +6657,7 @@
           <a:p>
             <a:r>
               <a:rPr lang="en-US" altLang="ko-KR" sz="800" dirty="0"/>
-              <a:t># </a:t>
-            </a:r>
-            <a:r>
-              <a:rPr lang="ko-KR" altLang="en-US" sz="800" dirty="0"/>
-              <a:t>✅ </a:t>
-            </a:r>
-            <a:r>
-              <a:rPr lang="en-US" altLang="ko-KR" sz="800" dirty="0"/>
-              <a:t>5. </a:t>
+              <a:t># 6. </a:t>
             </a:r>
             <a:r>
               <a:rPr lang="ko-KR" altLang="en-US" sz="800" dirty="0" err="1"/>
@@ -6738,36 +6776,6 @@
           <a:chExt cx="0" cy="0"/>
         </a:xfrm>
       </p:grpSpPr>
-      <p:pic>
-        <p:nvPicPr>
-          <p:cNvPr id="4" name="그림 3">
-            <a:extLst>
-              <a:ext uri="{FF2B5EF4-FFF2-40B4-BE49-F238E27FC236}">
-                <a16:creationId xmlns:a16="http://schemas.microsoft.com/office/drawing/2014/main" id="{7EF0CCB9-19C5-91BE-1008-11F913CC818C}"/>
-              </a:ext>
-            </a:extLst>
-          </p:cNvPr>
-          <p:cNvPicPr>
-            <a:picLocks noChangeAspect="1"/>
-          </p:cNvPicPr>
-          <p:nvPr/>
-        </p:nvPicPr>
-        <p:blipFill>
-          <a:blip r:embed="rId2"/>
-          <a:stretch>
-            <a:fillRect/>
-          </a:stretch>
-        </p:blipFill>
-        <p:spPr>
-          <a:xfrm>
-            <a:off x="1494503" y="351388"/>
-            <a:ext cx="8524568" cy="6298889"/>
-          </a:xfrm>
-          <a:prstGeom prst="rect">
-            <a:avLst/>
-          </a:prstGeom>
-        </p:spPr>
-      </p:pic>
       <p:sp>
         <p:nvSpPr>
           <p:cNvPr id="2" name="직사각형 1">
@@ -6817,6 +6825,66 @@
           </a:p>
         </p:txBody>
       </p:sp>
+      <p:pic>
+        <p:nvPicPr>
+          <p:cNvPr id="5" name="그림 4">
+            <a:extLst>
+              <a:ext uri="{FF2B5EF4-FFF2-40B4-BE49-F238E27FC236}">
+                <a16:creationId xmlns:a16="http://schemas.microsoft.com/office/drawing/2014/main" id="{78138FF1-77DD-8CCD-9A8F-2CA4C45509F3}"/>
+              </a:ext>
+            </a:extLst>
+          </p:cNvPr>
+          <p:cNvPicPr>
+            <a:picLocks noChangeAspect="1"/>
+          </p:cNvPicPr>
+          <p:nvPr/>
+        </p:nvPicPr>
+        <p:blipFill>
+          <a:blip r:embed="rId2"/>
+          <a:stretch>
+            <a:fillRect/>
+          </a:stretch>
+        </p:blipFill>
+        <p:spPr>
+          <a:xfrm>
+            <a:off x="4152985" y="1135078"/>
+            <a:ext cx="7582958" cy="5630061"/>
+          </a:xfrm>
+          <a:prstGeom prst="rect">
+            <a:avLst/>
+          </a:prstGeom>
+        </p:spPr>
+      </p:pic>
+      <p:pic>
+        <p:nvPicPr>
+          <p:cNvPr id="7" name="그림 6">
+            <a:extLst>
+              <a:ext uri="{FF2B5EF4-FFF2-40B4-BE49-F238E27FC236}">
+                <a16:creationId xmlns:a16="http://schemas.microsoft.com/office/drawing/2014/main" id="{70443225-6732-D3FD-E70E-531070B0CD32}"/>
+              </a:ext>
+            </a:extLst>
+          </p:cNvPr>
+          <p:cNvPicPr>
+            <a:picLocks noChangeAspect="1"/>
+          </p:cNvPicPr>
+          <p:nvPr/>
+        </p:nvPicPr>
+        <p:blipFill>
+          <a:blip r:embed="rId3"/>
+          <a:stretch>
+            <a:fillRect/>
+          </a:stretch>
+        </p:blipFill>
+        <p:spPr>
+          <a:xfrm>
+            <a:off x="294466" y="586750"/>
+            <a:ext cx="3943238" cy="880592"/>
+          </a:xfrm>
+          <a:prstGeom prst="rect">
+            <a:avLst/>
+          </a:prstGeom>
+        </p:spPr>
+      </p:pic>
     </p:spTree>
     <p:extLst>
       <p:ext uri="{BB962C8B-B14F-4D97-AF65-F5344CB8AC3E}">
